--- a/M_Deeprose-Two_Steps_Accessibilty--UCISA-UX.pptx
+++ b/M_Deeprose-Two_Steps_Accessibilty--UCISA-UX.pptx
@@ -184,9 +184,71 @@
 <file path=ppt/revisionInfo.xml><?xml version="1.0" encoding="utf-8"?>
 <p1510:revInfo xmlns:a="http://schemas.openxmlformats.org/drawingml/2006/main" xmlns:r="http://schemas.openxmlformats.org/officeDocument/2006/relationships" xmlns:p1510="http://schemas.microsoft.com/office/powerpoint/2015/10/main">
   <p1510:revLst>
+    <p1510:client id="{01FEF771-BD5E-4E30-AA53-1FCC2F356C38}" v="140" dt="2022-06-27T07:38:46.182"/>
     <p1510:client id="{9B4B86D7-D29A-4362-BBB9-7968C7FC8847}" v="171" dt="2022-06-26T17:48:34.816"/>
   </p1510:revLst>
 </p1510:revInfo>
+</file>
+
+<file path=ppt/changesInfos/changesInfo1.xml><?xml version="1.0" encoding="utf-8"?>
+<pc:chgInfo xmlns:a="http://schemas.openxmlformats.org/drawingml/2006/main" xmlns:r="http://schemas.openxmlformats.org/officeDocument/2006/relationships" xmlns:ac="http://schemas.microsoft.com/office/drawing/2013/main/command" xmlns:pc="http://schemas.microsoft.com/office/powerpoint/2013/main/command">
+  <pc:docChgLst>
+    <pc:chgData name="Matthew Deeprose" userId="4b9f57a1-f6a7-4947-aa46-f230d0a71242" providerId="ADAL" clId="{01FEF771-BD5E-4E30-AA53-1FCC2F356C38}"/>
+    <pc:docChg chg="undo custSel modSld">
+      <pc:chgData name="Matthew Deeprose" userId="4b9f57a1-f6a7-4947-aa46-f230d0a71242" providerId="ADAL" clId="{01FEF771-BD5E-4E30-AA53-1FCC2F356C38}" dt="2022-06-27T07:38:43.711" v="231" actId="20577"/>
+      <pc:docMkLst>
+        <pc:docMk/>
+      </pc:docMkLst>
+      <pc:sldChg chg="addSp delSp modSp mod delAnim modAnim modNotesTx">
+        <pc:chgData name="Matthew Deeprose" userId="4b9f57a1-f6a7-4947-aa46-f230d0a71242" providerId="ADAL" clId="{01FEF771-BD5E-4E30-AA53-1FCC2F356C38}" dt="2022-06-27T07:38:43.711" v="231" actId="20577"/>
+        <pc:sldMkLst>
+          <pc:docMk/>
+          <pc:sldMk cId="4183822530" sldId="1620"/>
+        </pc:sldMkLst>
+        <pc:spChg chg="add mod">
+          <ac:chgData name="Matthew Deeprose" userId="4b9f57a1-f6a7-4947-aa46-f230d0a71242" providerId="ADAL" clId="{01FEF771-BD5E-4E30-AA53-1FCC2F356C38}" dt="2022-06-27T07:36:42.667" v="59" actId="14100"/>
+          <ac:spMkLst>
+            <pc:docMk/>
+            <pc:sldMk cId="4183822530" sldId="1620"/>
+            <ac:spMk id="7" creationId="{15570671-ADD2-4EA8-9244-3C448C2A2DA6}"/>
+          </ac:spMkLst>
+        </pc:spChg>
+        <pc:spChg chg="add del mod">
+          <ac:chgData name="Matthew Deeprose" userId="4b9f57a1-f6a7-4947-aa46-f230d0a71242" providerId="ADAL" clId="{01FEF771-BD5E-4E30-AA53-1FCC2F356C38}" dt="2022-06-27T07:34:44.974" v="54" actId="478"/>
+          <ac:spMkLst>
+            <pc:docMk/>
+            <pc:sldMk cId="4183822530" sldId="1620"/>
+            <ac:spMk id="8" creationId="{AA382230-89D0-408E-B1F5-E38A34208A38}"/>
+          </ac:spMkLst>
+        </pc:spChg>
+        <pc:picChg chg="add mod">
+          <ac:chgData name="Matthew Deeprose" userId="4b9f57a1-f6a7-4947-aa46-f230d0a71242" providerId="ADAL" clId="{01FEF771-BD5E-4E30-AA53-1FCC2F356C38}" dt="2022-06-27T07:31:46.693" v="33" actId="14100"/>
+          <ac:picMkLst>
+            <pc:docMk/>
+            <pc:sldMk cId="4183822530" sldId="1620"/>
+            <ac:picMk id="3" creationId="{43A7BCAE-DEB1-4CC6-A9CA-2139093C5E6A}"/>
+          </ac:picMkLst>
+        </pc:picChg>
+        <pc:picChg chg="mod ord modCrop">
+          <ac:chgData name="Matthew Deeprose" userId="4b9f57a1-f6a7-4947-aa46-f230d0a71242" providerId="ADAL" clId="{01FEF771-BD5E-4E30-AA53-1FCC2F356C38}" dt="2022-06-27T07:31:42.366" v="32" actId="1076"/>
+          <ac:picMkLst>
+            <pc:docMk/>
+            <pc:sldMk cId="4183822530" sldId="1620"/>
+            <ac:picMk id="12" creationId="{077EA8A1-F327-4F5F-B240-85ECCB0A16A7}"/>
+          </ac:picMkLst>
+        </pc:picChg>
+        <pc:picChg chg="mod ord">
+          <ac:chgData name="Matthew Deeprose" userId="4b9f57a1-f6a7-4947-aa46-f230d0a71242" providerId="ADAL" clId="{01FEF771-BD5E-4E30-AA53-1FCC2F356C38}" dt="2022-06-27T07:31:51.559" v="34" actId="1076"/>
+          <ac:picMkLst>
+            <pc:docMk/>
+            <pc:sldMk cId="4183822530" sldId="1620"/>
+            <ac:picMk id="13" creationId="{3030130C-1207-425C-A590-15C10DD82976}"/>
+          </ac:picMkLst>
+        </pc:picChg>
+      </pc:sldChg>
+    </pc:docChg>
+  </pc:docChgLst>
+</pc:chgInfo>
 </file>
 
 <file path=ppt/charts/chart1.xml><?xml version="1.0" encoding="utf-8"?>
@@ -4868,7 +4930,7 @@
           <a:p>
             <a:fld id="{76346772-8157-4936-80A3-06A6CAC87DD2}" type="datetimeFigureOut">
               <a:rPr lang="en-GB" smtClean="0"/>
-              <a:t>26/06/2022</a:t>
+              <a:t>27/06/2022</a:t>
             </a:fld>
             <a:endParaRPr lang="en-GB"/>
           </a:p>
@@ -5471,8 +5533,13 @@
           <a:p>
             <a:r>
               <a:rPr lang="en-GB" dirty="0"/>
-              <a:t>Here’s a larger example so you can see it has the colour details, contrast ratio and an example of how it looks.</a:t>
-            </a:r>
+              <a:t>Here’s a larger example so you can see it has the colour details, contrast ratio and an example of how it looks. One example shows a graphic icon, the other shows text. These screenshots also show that I implemented both dark </a:t>
+            </a:r>
+            <a:r>
+              <a:rPr lang="en-GB"/>
+              <a:t>and light themes.</a:t>
+            </a:r>
+            <a:endParaRPr lang="en-GB" dirty="0"/>
           </a:p>
           <a:p>
             <a:r>
@@ -18068,21 +18135,82 @@
           </a:effectLst>
         </p:spPr>
       </p:pic>
+      <p:sp>
+        <p:nvSpPr>
+          <p:cNvPr id="4" name="Footer Placeholder 3">
+            <a:extLst>
+              <a:ext uri="{FF2B5EF4-FFF2-40B4-BE49-F238E27FC236}">
+                <a16:creationId xmlns:a16="http://schemas.microsoft.com/office/drawing/2014/main" id="{4790D8B5-1E95-4FFF-88A1-763F32E3C944}"/>
+              </a:ext>
+            </a:extLst>
+          </p:cNvPr>
+          <p:cNvSpPr>
+            <a:spLocks noGrp="1"/>
+          </p:cNvSpPr>
+          <p:nvPr>
+            <p:ph type="ftr" sz="quarter" idx="3"/>
+          </p:nvPr>
+        </p:nvSpPr>
+        <p:spPr/>
+        <p:txBody>
+          <a:bodyPr/>
+          <a:lstStyle/>
+          <a:p>
+            <a:r>
+              <a:rPr lang="en-GB">
+                <a:solidFill>
+                  <a:schemeClr val="bg2"/>
+                </a:solidFill>
+              </a:rPr>
+              <a:t>Matthew Deeprose</a:t>
+            </a:r>
+            <a:endParaRPr lang="en-GB" dirty="0"/>
+          </a:p>
+        </p:txBody>
+      </p:sp>
+      <p:sp>
+        <p:nvSpPr>
+          <p:cNvPr id="5" name="Slide Number Placeholder 4">
+            <a:extLst>
+              <a:ext uri="{FF2B5EF4-FFF2-40B4-BE49-F238E27FC236}">
+                <a16:creationId xmlns:a16="http://schemas.microsoft.com/office/drawing/2014/main" id="{AD64A10F-5478-40FE-B872-F8D4F82C99A9}"/>
+              </a:ext>
+            </a:extLst>
+          </p:cNvPr>
+          <p:cNvSpPr>
+            <a:spLocks noGrp="1"/>
+          </p:cNvSpPr>
+          <p:nvPr>
+            <p:ph type="sldNum" sz="quarter" idx="4"/>
+          </p:nvPr>
+        </p:nvSpPr>
+        <p:spPr/>
+        <p:txBody>
+          <a:bodyPr/>
+          <a:lstStyle/>
+          <a:p>
+            <a:fld id="{51AC9CB8-E4A1-4C80-A0FE-41AB03406E23}" type="slidenum">
+              <a:rPr lang="en-GB" smtClean="0"/>
+              <a:pPr/>
+              <a:t>12</a:t>
+            </a:fld>
+            <a:endParaRPr lang="en-GB"/>
+          </a:p>
+        </p:txBody>
+      </p:sp>
       <p:pic>
         <p:nvPicPr>
-          <p:cNvPr id="12" name="Content Placeholder 11" descr="A focus on one colour combination. It shows the foreground and background colours as hex values. An example of what the colour combination looks like, and the WCAG rating and the contrast ratio.">
-            <a:extLst>
-              <a:ext uri="{FF2B5EF4-FFF2-40B4-BE49-F238E27FC236}">
-                <a16:creationId xmlns:a16="http://schemas.microsoft.com/office/drawing/2014/main" id="{077EA8A1-F327-4F5F-B240-85ECCB0A16A7}"/>
+          <p:cNvPr id="3" name="Picture 2">
+            <a:extLst>
+              <a:ext uri="{FF2B5EF4-FFF2-40B4-BE49-F238E27FC236}">
+                <a16:creationId xmlns:a16="http://schemas.microsoft.com/office/drawing/2014/main" id="{43A7BCAE-DEB1-4CC6-A9CA-2139093C5E6A}"/>
               </a:ext>
             </a:extLst>
           </p:cNvPr>
           <p:cNvPicPr>
-            <a:picLocks noGrp="1" noChangeAspect="1"/>
+            <a:picLocks noChangeAspect="1"/>
           </p:cNvPicPr>
-          <p:nvPr>
-            <p:ph sz="half" idx="2"/>
-          </p:nvPr>
+          <p:nvPr/>
         </p:nvPicPr>
         <p:blipFill>
           <a:blip r:embed="rId4">
@@ -18098,8 +18226,50 @@
         </p:blipFill>
         <p:spPr>
           <a:xfrm>
-            <a:off x="2165152" y="1893834"/>
-            <a:ext cx="7203661" cy="3070331"/>
+            <a:off x="228602" y="1500808"/>
+            <a:ext cx="5570197" cy="3071191"/>
+          </a:xfrm>
+          <a:prstGeom prst="rect">
+            <a:avLst/>
+          </a:prstGeom>
+          <a:ln w="38100">
+            <a:solidFill>
+              <a:schemeClr val="accent5"/>
+            </a:solidFill>
+          </a:ln>
+        </p:spPr>
+      </p:pic>
+      <p:pic>
+        <p:nvPicPr>
+          <p:cNvPr id="12" name="Content Placeholder 11" descr="A focus on one colour combination. It shows the foreground and background colours as hex values. An example of what the colour combination looks like, and the WCAG rating and the contrast ratio.">
+            <a:extLst>
+              <a:ext uri="{FF2B5EF4-FFF2-40B4-BE49-F238E27FC236}">
+                <a16:creationId xmlns:a16="http://schemas.microsoft.com/office/drawing/2014/main" id="{077EA8A1-F327-4F5F-B240-85ECCB0A16A7}"/>
+              </a:ext>
+            </a:extLst>
+          </p:cNvPr>
+          <p:cNvPicPr>
+            <a:picLocks noGrp="1" noChangeAspect="1"/>
+          </p:cNvPicPr>
+          <p:nvPr>
+            <p:ph sz="half" idx="2"/>
+          </p:nvPr>
+        </p:nvPicPr>
+        <p:blipFill rotWithShape="1">
+          <a:blip r:embed="rId5">
+            <a:extLst>
+              <a:ext uri="{28A0092B-C50C-407E-A947-70E740481C1C}">
+                <a14:useLocalDpi xmlns:a14="http://schemas.microsoft.com/office/drawing/2010/main" val="0"/>
+              </a:ext>
+            </a:extLst>
+          </a:blip>
+          <a:srcRect l="8181" r="8572"/>
+          <a:stretch/>
+        </p:blipFill>
+        <p:spPr>
+          <a:xfrm>
+            <a:off x="6076949" y="3110115"/>
+            <a:ext cx="5776168" cy="2957399"/>
           </a:xfrm>
           <a:ln w="38100">
             <a:solidFill>
@@ -18115,69 +18285,6 @@
           </a:effectLst>
         </p:spPr>
       </p:pic>
-      <p:sp>
-        <p:nvSpPr>
-          <p:cNvPr id="4" name="Footer Placeholder 3">
-            <a:extLst>
-              <a:ext uri="{FF2B5EF4-FFF2-40B4-BE49-F238E27FC236}">
-                <a16:creationId xmlns:a16="http://schemas.microsoft.com/office/drawing/2014/main" id="{4790D8B5-1E95-4FFF-88A1-763F32E3C944}"/>
-              </a:ext>
-            </a:extLst>
-          </p:cNvPr>
-          <p:cNvSpPr>
-            <a:spLocks noGrp="1"/>
-          </p:cNvSpPr>
-          <p:nvPr>
-            <p:ph type="ftr" sz="quarter" idx="3"/>
-          </p:nvPr>
-        </p:nvSpPr>
-        <p:spPr/>
-        <p:txBody>
-          <a:bodyPr/>
-          <a:lstStyle/>
-          <a:p>
-            <a:r>
-              <a:rPr lang="en-GB">
-                <a:solidFill>
-                  <a:schemeClr val="bg2"/>
-                </a:solidFill>
-              </a:rPr>
-              <a:t>Matthew Deeprose</a:t>
-            </a:r>
-            <a:endParaRPr lang="en-GB" dirty="0"/>
-          </a:p>
-        </p:txBody>
-      </p:sp>
-      <p:sp>
-        <p:nvSpPr>
-          <p:cNvPr id="5" name="Slide Number Placeholder 4">
-            <a:extLst>
-              <a:ext uri="{FF2B5EF4-FFF2-40B4-BE49-F238E27FC236}">
-                <a16:creationId xmlns:a16="http://schemas.microsoft.com/office/drawing/2014/main" id="{AD64A10F-5478-40FE-B872-F8D4F82C99A9}"/>
-              </a:ext>
-            </a:extLst>
-          </p:cNvPr>
-          <p:cNvSpPr>
-            <a:spLocks noGrp="1"/>
-          </p:cNvSpPr>
-          <p:nvPr>
-            <p:ph type="sldNum" sz="quarter" idx="4"/>
-          </p:nvPr>
-        </p:nvSpPr>
-        <p:spPr/>
-        <p:txBody>
-          <a:bodyPr/>
-          <a:lstStyle/>
-          <a:p>
-            <a:fld id="{51AC9CB8-E4A1-4C80-A0FE-41AB03406E23}" type="slidenum">
-              <a:rPr lang="en-GB" smtClean="0"/>
-              <a:pPr/>
-              <a:t>12</a:t>
-            </a:fld>
-            <a:endParaRPr lang="en-GB"/>
-          </a:p>
-        </p:txBody>
-      </p:sp>
       <p:pic>
         <p:nvPicPr>
           <p:cNvPr id="13" name="Picture 12" descr="Screenshot from the matrix showing what WCAG AA contrast ratio is and what it means. Importantly, it include the stat that 84 of 441 combinations meet AA level of accessibility. In other words they have a contrast ratio of 4.5 to one or higher. That's only 19%.">
@@ -18193,7 +18300,7 @@
           <p:nvPr/>
         </p:nvPicPr>
         <p:blipFill rotWithShape="1">
-          <a:blip r:embed="rId5">
+          <a:blip r:embed="rId6">
             <a:extLst>
               <a:ext uri="{28A0092B-C50C-407E-A947-70E740481C1C}">
                 <a14:useLocalDpi xmlns:a14="http://schemas.microsoft.com/office/drawing/2010/main" val="0"/>
@@ -18205,8 +18312,8 @@
         </p:blipFill>
         <p:spPr>
           <a:xfrm>
-            <a:off x="2953163" y="3429000"/>
-            <a:ext cx="8934037" cy="2634939"/>
+            <a:off x="204778" y="2264469"/>
+            <a:ext cx="11233220" cy="3313043"/>
           </a:xfrm>
           <a:prstGeom prst="rect">
             <a:avLst/>
@@ -18225,6 +18332,59 @@
           </a:effectLst>
         </p:spPr>
       </p:pic>
+      <p:sp>
+        <p:nvSpPr>
+          <p:cNvPr id="7" name="Rectangle 6">
+            <a:extLst>
+              <a:ext uri="{FF2B5EF4-FFF2-40B4-BE49-F238E27FC236}">
+                <a16:creationId xmlns:a16="http://schemas.microsoft.com/office/drawing/2014/main" id="{15570671-ADD2-4EA8-9244-3C448C2A2DA6}"/>
+              </a:ext>
+            </a:extLst>
+          </p:cNvPr>
+          <p:cNvSpPr/>
+          <p:nvPr/>
+        </p:nvSpPr>
+        <p:spPr>
+          <a:xfrm>
+            <a:off x="900752" y="2264468"/>
+            <a:ext cx="8407021" cy="478671"/>
+          </a:xfrm>
+          <a:prstGeom prst="rect">
+            <a:avLst/>
+          </a:prstGeom>
+          <a:noFill/>
+          <a:ln w="38100">
+            <a:solidFill>
+              <a:schemeClr val="accent6"/>
+            </a:solidFill>
+            <a:prstDash val="sysDash"/>
+          </a:ln>
+        </p:spPr>
+        <p:style>
+          <a:lnRef idx="2">
+            <a:schemeClr val="accent1">
+              <a:shade val="50000"/>
+            </a:schemeClr>
+          </a:lnRef>
+          <a:fillRef idx="1">
+            <a:schemeClr val="accent1"/>
+          </a:fillRef>
+          <a:effectRef idx="0">
+            <a:schemeClr val="accent1"/>
+          </a:effectRef>
+          <a:fontRef idx="minor">
+            <a:schemeClr val="lt1"/>
+          </a:fontRef>
+        </p:style>
+        <p:txBody>
+          <a:bodyPr rtlCol="0" anchor="ctr"/>
+          <a:lstStyle/>
+          <a:p>
+            <a:pPr algn="ctr"/>
+            <a:endParaRPr lang="en-GB"/>
+          </a:p>
+        </p:txBody>
+      </p:sp>
     </p:spTree>
     <p:extLst>
       <p:ext uri="{BB962C8B-B14F-4D97-AF65-F5344CB8AC3E}">
@@ -18256,14 +18416,49 @@
                             </p:stCondLst>
                             <p:childTnLst>
                               <p:par>
-                                <p:cTn id="5" presetID="10" presetClass="entr" presetSubtype="0" fill="hold" nodeType="clickEffect">
+                                <p:cTn id="5" presetID="10" presetClass="exit" presetSubtype="0" fill="hold" nodeType="clickEffect">
+                                  <p:stCondLst>
+                                    <p:cond delay="0"/>
+                                  </p:stCondLst>
+                                  <p:childTnLst>
+                                    <p:animEffect transition="out" filter="fade">
+                                      <p:cBhvr>
+                                        <p:cTn id="6" dur="500"/>
+                                        <p:tgtEl>
+                                          <p:spTgt spid="10"/>
+                                        </p:tgtEl>
+                                      </p:cBhvr>
+                                    </p:animEffect>
+                                    <p:set>
+                                      <p:cBhvr>
+                                        <p:cTn id="7" dur="1" fill="hold">
+                                          <p:stCondLst>
+                                            <p:cond delay="499"/>
+                                          </p:stCondLst>
+                                        </p:cTn>
+                                        <p:tgtEl>
+                                          <p:spTgt spid="10"/>
+                                        </p:tgtEl>
+                                        <p:attrNameLst>
+                                          <p:attrName>style.visibility</p:attrName>
+                                        </p:attrNameLst>
+                                      </p:cBhvr>
+                                      <p:to>
+                                        <p:strVal val="hidden"/>
+                                      </p:to>
+                                    </p:set>
+                                  </p:childTnLst>
+                                </p:cTn>
+                              </p:par>
+                              <p:par>
+                                <p:cTn id="8" presetID="10" presetClass="entr" presetSubtype="0" fill="hold" nodeType="withEffect">
                                   <p:stCondLst>
                                     <p:cond delay="0"/>
                                   </p:stCondLst>
                                   <p:childTnLst>
                                     <p:set>
                                       <p:cBhvr>
-                                        <p:cTn id="6" dur="1" fill="hold">
+                                        <p:cTn id="9" dur="1" fill="hold">
                                           <p:stCondLst>
                                             <p:cond delay="0"/>
                                           </p:stCondLst>
@@ -18281,9 +18476,44 @@
                                     </p:set>
                                     <p:animEffect transition="in" filter="fade">
                                       <p:cBhvr>
-                                        <p:cTn id="7" dur="500"/>
+                                        <p:cTn id="10" dur="500"/>
                                         <p:tgtEl>
                                           <p:spTgt spid="12"/>
+                                        </p:tgtEl>
+                                      </p:cBhvr>
+                                    </p:animEffect>
+                                  </p:childTnLst>
+                                </p:cTn>
+                              </p:par>
+                              <p:par>
+                                <p:cTn id="11" presetID="10" presetClass="entr" presetSubtype="0" fill="hold" nodeType="withEffect">
+                                  <p:stCondLst>
+                                    <p:cond delay="0"/>
+                                  </p:stCondLst>
+                                  <p:childTnLst>
+                                    <p:set>
+                                      <p:cBhvr>
+                                        <p:cTn id="12" dur="1" fill="hold">
+                                          <p:stCondLst>
+                                            <p:cond delay="0"/>
+                                          </p:stCondLst>
+                                        </p:cTn>
+                                        <p:tgtEl>
+                                          <p:spTgt spid="3"/>
+                                        </p:tgtEl>
+                                        <p:attrNameLst>
+                                          <p:attrName>style.visibility</p:attrName>
+                                        </p:attrNameLst>
+                                      </p:cBhvr>
+                                      <p:to>
+                                        <p:strVal val="visible"/>
+                                      </p:to>
+                                    </p:set>
+                                    <p:animEffect transition="in" filter="fade">
+                                      <p:cBhvr>
+                                        <p:cTn id="13" dur="500"/>
+                                        <p:tgtEl>
+                                          <p:spTgt spid="3"/>
                                         </p:tgtEl>
                                       </p:cBhvr>
                                     </p:animEffect>
@@ -18297,26 +18527,26 @@
                     </p:cTn>
                   </p:par>
                   <p:par>
-                    <p:cTn id="8" fill="hold">
+                    <p:cTn id="14" fill="hold">
                       <p:stCondLst>
                         <p:cond delay="indefinite"/>
                       </p:stCondLst>
                       <p:childTnLst>
                         <p:par>
-                          <p:cTn id="9" fill="hold">
+                          <p:cTn id="15" fill="hold">
                             <p:stCondLst>
                               <p:cond delay="0"/>
                             </p:stCondLst>
                             <p:childTnLst>
                               <p:par>
-                                <p:cTn id="10" presetID="10" presetClass="entr" presetSubtype="0" fill="hold" nodeType="clickEffect">
+                                <p:cTn id="16" presetID="10" presetClass="entr" presetSubtype="0" fill="hold" nodeType="clickEffect">
                                   <p:stCondLst>
                                     <p:cond delay="0"/>
                                   </p:stCondLst>
                                   <p:childTnLst>
                                     <p:set>
                                       <p:cBhvr>
-                                        <p:cTn id="11" dur="1" fill="hold">
+                                        <p:cTn id="17" dur="1" fill="hold">
                                           <p:stCondLst>
                                             <p:cond delay="0"/>
                                           </p:stCondLst>
@@ -18334,9 +18564,114 @@
                                     </p:set>
                                     <p:animEffect transition="in" filter="fade">
                                       <p:cBhvr>
-                                        <p:cTn id="12" dur="500"/>
+                                        <p:cTn id="18" dur="500"/>
                                         <p:tgtEl>
                                           <p:spTgt spid="13"/>
+                                        </p:tgtEl>
+                                      </p:cBhvr>
+                                    </p:animEffect>
+                                  </p:childTnLst>
+                                </p:cTn>
+                              </p:par>
+                              <p:par>
+                                <p:cTn id="19" presetID="10" presetClass="exit" presetSubtype="0" fill="hold" nodeType="withEffect">
+                                  <p:stCondLst>
+                                    <p:cond delay="0"/>
+                                  </p:stCondLst>
+                                  <p:childTnLst>
+                                    <p:animEffect transition="out" filter="fade">
+                                      <p:cBhvr>
+                                        <p:cTn id="20" dur="500"/>
+                                        <p:tgtEl>
+                                          <p:spTgt spid="12"/>
+                                        </p:tgtEl>
+                                      </p:cBhvr>
+                                    </p:animEffect>
+                                    <p:set>
+                                      <p:cBhvr>
+                                        <p:cTn id="21" dur="1" fill="hold">
+                                          <p:stCondLst>
+                                            <p:cond delay="499"/>
+                                          </p:stCondLst>
+                                        </p:cTn>
+                                        <p:tgtEl>
+                                          <p:spTgt spid="12"/>
+                                        </p:tgtEl>
+                                        <p:attrNameLst>
+                                          <p:attrName>style.visibility</p:attrName>
+                                        </p:attrNameLst>
+                                      </p:cBhvr>
+                                      <p:to>
+                                        <p:strVal val="hidden"/>
+                                      </p:to>
+                                    </p:set>
+                                  </p:childTnLst>
+                                </p:cTn>
+                              </p:par>
+                              <p:par>
+                                <p:cTn id="22" presetID="10" presetClass="exit" presetSubtype="0" fill="hold" nodeType="withEffect">
+                                  <p:stCondLst>
+                                    <p:cond delay="0"/>
+                                  </p:stCondLst>
+                                  <p:childTnLst>
+                                    <p:animEffect transition="out" filter="fade">
+                                      <p:cBhvr>
+                                        <p:cTn id="23" dur="500"/>
+                                        <p:tgtEl>
+                                          <p:spTgt spid="3"/>
+                                        </p:tgtEl>
+                                      </p:cBhvr>
+                                    </p:animEffect>
+                                    <p:set>
+                                      <p:cBhvr>
+                                        <p:cTn id="24" dur="1" fill="hold">
+                                          <p:stCondLst>
+                                            <p:cond delay="499"/>
+                                          </p:stCondLst>
+                                        </p:cTn>
+                                        <p:tgtEl>
+                                          <p:spTgt spid="3"/>
+                                        </p:tgtEl>
+                                        <p:attrNameLst>
+                                          <p:attrName>style.visibility</p:attrName>
+                                        </p:attrNameLst>
+                                      </p:cBhvr>
+                                      <p:to>
+                                        <p:strVal val="hidden"/>
+                                      </p:to>
+                                    </p:set>
+                                  </p:childTnLst>
+                                </p:cTn>
+                              </p:par>
+                              <p:par>
+                                <p:cTn id="25" presetID="10" presetClass="entr" presetSubtype="0" fill="hold" grpId="0" nodeType="withEffect">
+                                  <p:stCondLst>
+                                    <p:cond delay="0"/>
+                                  </p:stCondLst>
+                                  <p:childTnLst>
+                                    <p:set>
+                                      <p:cBhvr>
+                                        <p:cTn id="26" dur="1" fill="hold">
+                                          <p:stCondLst>
+                                            <p:cond delay="0"/>
+                                          </p:stCondLst>
+                                        </p:cTn>
+                                        <p:tgtEl>
+                                          <p:spTgt spid="7"/>
+                                        </p:tgtEl>
+                                        <p:attrNameLst>
+                                          <p:attrName>style.visibility</p:attrName>
+                                        </p:attrNameLst>
+                                      </p:cBhvr>
+                                      <p:to>
+                                        <p:strVal val="visible"/>
+                                      </p:to>
+                                    </p:set>
+                                    <p:animEffect transition="in" filter="fade">
+                                      <p:cBhvr>
+                                        <p:cTn id="27" dur="500"/>
+                                        <p:tgtEl>
+                                          <p:spTgt spid="7"/>
                                         </p:tgtEl>
                                       </p:cBhvr>
                                     </p:animEffect>
@@ -18370,6 +18705,9 @@
         </p:cTn>
       </p:par>
     </p:tnLst>
+    <p:bldLst>
+      <p:bldP spid="7" grpId="0" animBg="1"/>
+    </p:bldLst>
   </p:timing>
 </p:sld>
 </file>
@@ -29578,7 +29916,7 @@
 
 <file path=ppt/tags/tag1.xml><?xml version="1.0" encoding="utf-8"?>
 <p:tagLst xmlns:a="http://schemas.openxmlformats.org/drawingml/2006/main" xmlns:r="http://schemas.openxmlformats.org/officeDocument/2006/relationships" xmlns:p="http://schemas.openxmlformats.org/presentationml/2006/main">
-  <p:tag name="PRESGUID" val="e9e8bc1c-9e8d-4235-803b-3b0a5900944f"/>
+  <p:tag name="PRESGUID" val="373e4e23-f639-45ff-9cc2-3d1b401ad9f5"/>
 </p:tagLst>
 </file>
 
@@ -30280,6 +30618,15 @@
 </file>
 
 <file path=customXml/item1.xml><?xml version="1.0" encoding="utf-8"?>
+<?mso-contentType ?>
+<FormTemplates xmlns="http://schemas.microsoft.com/sharepoint/v3/contenttype/forms">
+  <Display>DocumentLibraryForm</Display>
+  <Edit>DocumentLibraryForm</Edit>
+  <New>DocumentLibraryForm</New>
+</FormTemplates>
+</file>
+
+<file path=customXml/item2.xml><?xml version="1.0" encoding="utf-8"?>
 <ct:contentTypeSchema xmlns:ct="http://schemas.microsoft.com/office/2006/metadata/contentType" xmlns:ma="http://schemas.microsoft.com/office/2006/metadata/properties/metaAttributes" ct:_="" ma:_="" ma:contentTypeName="Document" ma:contentTypeID="0x0101003B7CC92975235841AAA2D5AB9EE0FB4F" ma:contentTypeVersion="11" ma:contentTypeDescription="Create a new document." ma:contentTypeScope="" ma:versionID="82151baacefe824223fca2e5aba66a1e">
   <xsd:schema xmlns:xsd="http://www.w3.org/2001/XMLSchema" xmlns:xs="http://www.w3.org/2001/XMLSchema" xmlns:p="http://schemas.microsoft.com/office/2006/metadata/properties" xmlns:ns2="1824a6be-da4c-47de-99ec-ebd5232030ab" xmlns:ns3="a4980879-dfff-4d72-9837-fe1cc757e8bf" targetNamespace="http://schemas.microsoft.com/office/2006/metadata/properties" ma:root="true" ma:fieldsID="a37526fd1b52cfbe058dfea4ad6e0c58" ns2:_="" ns3:_="">
     <xsd:import namespace="1824a6be-da4c-47de-99ec-ebd5232030ab"/>
@@ -30490,15 +30837,6 @@
 </ct:contentTypeSchema>
 </file>
 
-<file path=customXml/item2.xml><?xml version="1.0" encoding="utf-8"?>
-<?mso-contentType ?>
-<FormTemplates xmlns="http://schemas.microsoft.com/sharepoint/v3/contenttype/forms">
-  <Display>DocumentLibraryForm</Display>
-  <Edit>DocumentLibraryForm</Edit>
-  <New>DocumentLibraryForm</New>
-</FormTemplates>
-</file>
-
 <file path=customXml/item3.xml><?xml version="1.0" encoding="utf-8"?>
 <p:properties xmlns:p="http://schemas.microsoft.com/office/2006/metadata/properties" xmlns:xsi="http://www.w3.org/2001/XMLSchema-instance" xmlns:pc="http://schemas.microsoft.com/office/infopath/2007/PartnerControls">
   <documentManagement/>
@@ -30506,6 +30844,14 @@
 </file>
 
 <file path=customXml/itemProps1.xml><?xml version="1.0" encoding="utf-8"?>
+<ds:datastoreItem xmlns:ds="http://schemas.openxmlformats.org/officeDocument/2006/customXml" ds:itemID="{E253B83F-B809-4031-B519-361416E897AD}">
+  <ds:schemaRefs>
+    <ds:schemaRef ds:uri="http://schemas.microsoft.com/sharepoint/v3/contenttype/forms"/>
+  </ds:schemaRefs>
+</ds:datastoreItem>
+</file>
+
+<file path=customXml/itemProps2.xml><?xml version="1.0" encoding="utf-8"?>
 <ds:datastoreItem xmlns:ds="http://schemas.openxmlformats.org/officeDocument/2006/customXml" ds:itemID="{C0145659-7D8C-4258-B379-0DD67A6114B3}">
   <ds:schemaRefs>
     <ds:schemaRef ds:uri="1824a6be-da4c-47de-99ec-ebd5232030ab"/>
@@ -30521,14 +30867,6 @@
     <ds:schemaRef ds:uri="http://schemas.openxmlformats.org/package/2006/metadata/core-properties"/>
     <ds:schemaRef ds:uri="http://www.w3.org/2000/xmlns/"/>
     <ds:schemaRef ds:uri="http://www.w3.org/2001/XMLSchema"/>
-  </ds:schemaRefs>
-</ds:datastoreItem>
-</file>
-
-<file path=customXml/itemProps2.xml><?xml version="1.0" encoding="utf-8"?>
-<ds:datastoreItem xmlns:ds="http://schemas.openxmlformats.org/officeDocument/2006/customXml" ds:itemID="{E253B83F-B809-4031-B519-361416E897AD}">
-  <ds:schemaRefs>
-    <ds:schemaRef ds:uri="http://schemas.microsoft.com/sharepoint/v3/contenttype/forms"/>
   </ds:schemaRefs>
 </ds:datastoreItem>
 </file>

--- a/M_Deeprose-Two_Steps_Accessibilty--UCISA-UX.pptx
+++ b/M_Deeprose-Two_Steps_Accessibilty--UCISA-UX.pptx
@@ -184,7 +184,7 @@
 <file path=ppt/revisionInfo.xml><?xml version="1.0" encoding="utf-8"?>
 <p1510:revInfo xmlns:a="http://schemas.openxmlformats.org/drawingml/2006/main" xmlns:r="http://schemas.openxmlformats.org/officeDocument/2006/relationships" xmlns:p1510="http://schemas.microsoft.com/office/powerpoint/2015/10/main">
   <p1510:revLst>
-    <p1510:client id="{01FEF771-BD5E-4E30-AA53-1FCC2F356C38}" v="140" dt="2022-06-27T07:38:46.182"/>
+    <p1510:client id="{01FEF771-BD5E-4E30-AA53-1FCC2F356C38}" v="168" dt="2022-06-27T14:46:49.688"/>
     <p1510:client id="{9B4B86D7-D29A-4362-BBB9-7968C7FC8847}" v="171" dt="2022-06-26T17:48:34.816"/>
   </p1510:revLst>
 </p1510:revInfo>
@@ -195,18 +195,128 @@
   <pc:docChgLst>
     <pc:chgData name="Matthew Deeprose" userId="4b9f57a1-f6a7-4947-aa46-f230d0a71242" providerId="ADAL" clId="{01FEF771-BD5E-4E30-AA53-1FCC2F356C38}"/>
     <pc:docChg chg="undo custSel modSld">
-      <pc:chgData name="Matthew Deeprose" userId="4b9f57a1-f6a7-4947-aa46-f230d0a71242" providerId="ADAL" clId="{01FEF771-BD5E-4E30-AA53-1FCC2F356C38}" dt="2022-06-27T07:38:43.711" v="231" actId="20577"/>
+      <pc:chgData name="Matthew Deeprose" userId="4b9f57a1-f6a7-4947-aa46-f230d0a71242" providerId="ADAL" clId="{01FEF771-BD5E-4E30-AA53-1FCC2F356C38}" dt="2022-06-27T14:46:40.512" v="242" actId="208"/>
       <pc:docMkLst>
         <pc:docMk/>
       </pc:docMkLst>
+      <pc:sldChg chg="modSp">
+        <pc:chgData name="Matthew Deeprose" userId="4b9f57a1-f6a7-4947-aa46-f230d0a71242" providerId="ADAL" clId="{01FEF771-BD5E-4E30-AA53-1FCC2F356C38}" dt="2022-06-27T14:46:40.512" v="242" actId="208"/>
+        <pc:sldMkLst>
+          <pc:docMk/>
+          <pc:sldMk cId="3113719598" sldId="1614"/>
+        </pc:sldMkLst>
+        <pc:graphicFrameChg chg="mod">
+          <ac:chgData name="Matthew Deeprose" userId="4b9f57a1-f6a7-4947-aa46-f230d0a71242" providerId="ADAL" clId="{01FEF771-BD5E-4E30-AA53-1FCC2F356C38}" dt="2022-06-27T14:46:40.512" v="242" actId="208"/>
+          <ac:graphicFrameMkLst>
+            <pc:docMk/>
+            <pc:sldMk cId="3113719598" sldId="1614"/>
+            <ac:graphicFrameMk id="6" creationId="{49BF1498-E869-4069-A494-CBD637AE299F}"/>
+          </ac:graphicFrameMkLst>
+        </pc:graphicFrameChg>
+      </pc:sldChg>
+      <pc:sldChg chg="addSp delSp modSp mod modAnim">
+        <pc:chgData name="Matthew Deeprose" userId="4b9f57a1-f6a7-4947-aa46-f230d0a71242" providerId="ADAL" clId="{01FEF771-BD5E-4E30-AA53-1FCC2F356C38}" dt="2022-06-27T13:49:36.495" v="241" actId="13244"/>
+        <pc:sldMkLst>
+          <pc:docMk/>
+          <pc:sldMk cId="98209177" sldId="1615"/>
+        </pc:sldMkLst>
+        <pc:spChg chg="ord">
+          <ac:chgData name="Matthew Deeprose" userId="4b9f57a1-f6a7-4947-aa46-f230d0a71242" providerId="ADAL" clId="{01FEF771-BD5E-4E30-AA53-1FCC2F356C38}" dt="2022-06-27T13:49:36.495" v="241" actId="13244"/>
+          <ac:spMkLst>
+            <pc:docMk/>
+            <pc:sldMk cId="98209177" sldId="1615"/>
+            <ac:spMk id="2" creationId="{57F11273-BECF-4AB6-A3D9-DA8B15581FCE}"/>
+          </ac:spMkLst>
+        </pc:spChg>
+        <pc:spChg chg="mod topLvl">
+          <ac:chgData name="Matthew Deeprose" userId="4b9f57a1-f6a7-4947-aa46-f230d0a71242" providerId="ADAL" clId="{01FEF771-BD5E-4E30-AA53-1FCC2F356C38}" dt="2022-06-27T13:48:56.933" v="239" actId="165"/>
+          <ac:spMkLst>
+            <pc:docMk/>
+            <pc:sldMk cId="98209177" sldId="1615"/>
+            <ac:spMk id="7" creationId="{50C32093-4B62-44FD-ABFE-6309A0125DC0}"/>
+          </ac:spMkLst>
+        </pc:spChg>
+        <pc:spChg chg="mod topLvl">
+          <ac:chgData name="Matthew Deeprose" userId="4b9f57a1-f6a7-4947-aa46-f230d0a71242" providerId="ADAL" clId="{01FEF771-BD5E-4E30-AA53-1FCC2F356C38}" dt="2022-06-27T13:48:56.933" v="239" actId="165"/>
+          <ac:spMkLst>
+            <pc:docMk/>
+            <pc:sldMk cId="98209177" sldId="1615"/>
+            <ac:spMk id="9" creationId="{3F21CD2A-87D3-43DF-B47D-68F18B7629F2}"/>
+          </ac:spMkLst>
+        </pc:spChg>
+        <pc:spChg chg="mod topLvl">
+          <ac:chgData name="Matthew Deeprose" userId="4b9f57a1-f6a7-4947-aa46-f230d0a71242" providerId="ADAL" clId="{01FEF771-BD5E-4E30-AA53-1FCC2F356C38}" dt="2022-06-27T13:48:56.933" v="239" actId="165"/>
+          <ac:spMkLst>
+            <pc:docMk/>
+            <pc:sldMk cId="98209177" sldId="1615"/>
+            <ac:spMk id="11" creationId="{623950E4-38CF-4119-AEBF-1EEB30F323D1}"/>
+          </ac:spMkLst>
+        </pc:spChg>
+        <pc:spChg chg="mod topLvl">
+          <ac:chgData name="Matthew Deeprose" userId="4b9f57a1-f6a7-4947-aa46-f230d0a71242" providerId="ADAL" clId="{01FEF771-BD5E-4E30-AA53-1FCC2F356C38}" dt="2022-06-27T13:48:56.933" v="239" actId="165"/>
+          <ac:spMkLst>
+            <pc:docMk/>
+            <pc:sldMk cId="98209177" sldId="1615"/>
+            <ac:spMk id="13" creationId="{56A6469C-D484-4DEA-8006-612932C77562}"/>
+          </ac:spMkLst>
+        </pc:spChg>
+        <pc:spChg chg="mod topLvl">
+          <ac:chgData name="Matthew Deeprose" userId="4b9f57a1-f6a7-4947-aa46-f230d0a71242" providerId="ADAL" clId="{01FEF771-BD5E-4E30-AA53-1FCC2F356C38}" dt="2022-06-27T13:48:56.933" v="239" actId="165"/>
+          <ac:spMkLst>
+            <pc:docMk/>
+            <pc:sldMk cId="98209177" sldId="1615"/>
+            <ac:spMk id="15" creationId="{4CFF2B7B-A225-4858-AD95-EF643216D1E5}"/>
+          </ac:spMkLst>
+        </pc:spChg>
+        <pc:spChg chg="mod topLvl">
+          <ac:chgData name="Matthew Deeprose" userId="4b9f57a1-f6a7-4947-aa46-f230d0a71242" providerId="ADAL" clId="{01FEF771-BD5E-4E30-AA53-1FCC2F356C38}" dt="2022-06-27T13:48:56.933" v="239" actId="165"/>
+          <ac:spMkLst>
+            <pc:docMk/>
+            <pc:sldMk cId="98209177" sldId="1615"/>
+            <ac:spMk id="17" creationId="{CC926C93-C8B2-4B8B-AA02-8FA7BA50F676}"/>
+          </ac:spMkLst>
+        </pc:spChg>
+        <pc:spChg chg="mod topLvl">
+          <ac:chgData name="Matthew Deeprose" userId="4b9f57a1-f6a7-4947-aa46-f230d0a71242" providerId="ADAL" clId="{01FEF771-BD5E-4E30-AA53-1FCC2F356C38}" dt="2022-06-27T13:48:56.933" v="239" actId="165"/>
+          <ac:spMkLst>
+            <pc:docMk/>
+            <pc:sldMk cId="98209177" sldId="1615"/>
+            <ac:spMk id="19" creationId="{8EBBDE6B-84FB-48FE-84A2-52D793376388}"/>
+          </ac:spMkLst>
+        </pc:spChg>
+        <pc:spChg chg="mod topLvl">
+          <ac:chgData name="Matthew Deeprose" userId="4b9f57a1-f6a7-4947-aa46-f230d0a71242" providerId="ADAL" clId="{01FEF771-BD5E-4E30-AA53-1FCC2F356C38}" dt="2022-06-27T13:48:56.933" v="239" actId="165"/>
+          <ac:spMkLst>
+            <pc:docMk/>
+            <pc:sldMk cId="98209177" sldId="1615"/>
+            <ac:spMk id="21" creationId="{5ECDA92C-CC9F-46AF-BAF3-B3A774B71503}"/>
+          </ac:spMkLst>
+        </pc:spChg>
+        <pc:spChg chg="mod topLvl">
+          <ac:chgData name="Matthew Deeprose" userId="4b9f57a1-f6a7-4947-aa46-f230d0a71242" providerId="ADAL" clId="{01FEF771-BD5E-4E30-AA53-1FCC2F356C38}" dt="2022-06-27T13:48:56.933" v="239" actId="165"/>
+          <ac:spMkLst>
+            <pc:docMk/>
+            <pc:sldMk cId="98209177" sldId="1615"/>
+            <ac:spMk id="23" creationId="{98424BB2-4D0D-46B8-9AAF-0CCCA1302168}"/>
+          </ac:spMkLst>
+        </pc:spChg>
+        <pc:grpChg chg="add del mod ord">
+          <ac:chgData name="Matthew Deeprose" userId="4b9f57a1-f6a7-4947-aa46-f230d0a71242" providerId="ADAL" clId="{01FEF771-BD5E-4E30-AA53-1FCC2F356C38}" dt="2022-06-27T13:48:56.933" v="239" actId="165"/>
+          <ac:grpSpMkLst>
+            <pc:docMk/>
+            <pc:sldMk cId="98209177" sldId="1615"/>
+            <ac:grpSpMk id="3" creationId="{928EF2E3-6BDA-4E82-B42E-EFC6E657B8D3}"/>
+          </ac:grpSpMkLst>
+        </pc:grpChg>
+      </pc:sldChg>
       <pc:sldChg chg="addSp delSp modSp mod delAnim modAnim modNotesTx">
-        <pc:chgData name="Matthew Deeprose" userId="4b9f57a1-f6a7-4947-aa46-f230d0a71242" providerId="ADAL" clId="{01FEF771-BD5E-4E30-AA53-1FCC2F356C38}" dt="2022-06-27T07:38:43.711" v="231" actId="20577"/>
+        <pc:chgData name="Matthew Deeprose" userId="4b9f57a1-f6a7-4947-aa46-f230d0a71242" providerId="ADAL" clId="{01FEF771-BD5E-4E30-AA53-1FCC2F356C38}" dt="2022-06-27T13:49:23.025" v="240" actId="962"/>
         <pc:sldMkLst>
           <pc:docMk/>
           <pc:sldMk cId="4183822530" sldId="1620"/>
         </pc:sldMkLst>
         <pc:spChg chg="add mod">
-          <ac:chgData name="Matthew Deeprose" userId="4b9f57a1-f6a7-4947-aa46-f230d0a71242" providerId="ADAL" clId="{01FEF771-BD5E-4E30-AA53-1FCC2F356C38}" dt="2022-06-27T07:36:42.667" v="59" actId="14100"/>
+          <ac:chgData name="Matthew Deeprose" userId="4b9f57a1-f6a7-4947-aa46-f230d0a71242" providerId="ADAL" clId="{01FEF771-BD5E-4E30-AA53-1FCC2F356C38}" dt="2022-06-27T13:49:23.025" v="240" actId="962"/>
           <ac:spMkLst>
             <pc:docMk/>
             <pc:sldMk cId="4183822530" sldId="1620"/>
@@ -222,7 +332,7 @@
           </ac:spMkLst>
         </pc:spChg>
         <pc:picChg chg="add mod">
-          <ac:chgData name="Matthew Deeprose" userId="4b9f57a1-f6a7-4947-aa46-f230d0a71242" providerId="ADAL" clId="{01FEF771-BD5E-4E30-AA53-1FCC2F356C38}" dt="2022-06-27T07:31:46.693" v="33" actId="14100"/>
+          <ac:chgData name="Matthew Deeprose" userId="4b9f57a1-f6a7-4947-aa46-f230d0a71242" providerId="ADAL" clId="{01FEF771-BD5E-4E30-AA53-1FCC2F356C38}" dt="2022-06-27T13:48:25.981" v="238" actId="962"/>
           <ac:picMkLst>
             <pc:docMk/>
             <pc:sldMk cId="4183822530" sldId="1620"/>
@@ -340,7 +450,9 @@
               <a:schemeClr val="accent1"/>
             </a:solidFill>
             <a:ln>
-              <a:noFill/>
+              <a:solidFill>
+                <a:schemeClr val="bg2"/>
+              </a:solidFill>
             </a:ln>
             <a:effectLst/>
           </c:spPr>
@@ -359,7 +471,9 @@
                 </a:bgClr>
               </a:pattFill>
               <a:ln>
-                <a:noFill/>
+                <a:solidFill>
+                  <a:schemeClr val="bg2"/>
+                </a:solidFill>
               </a:ln>
               <a:effectLst/>
             </c:spPr>
@@ -383,7 +497,9 @@
                 </a:bgClr>
               </a:pattFill>
               <a:ln>
-                <a:noFill/>
+                <a:solidFill>
+                  <a:schemeClr val="bg2"/>
+                </a:solidFill>
               </a:ln>
               <a:effectLst/>
             </c:spPr>
@@ -407,7 +523,9 @@
                 </a:bgClr>
               </a:pattFill>
               <a:ln>
-                <a:noFill/>
+                <a:solidFill>
+                  <a:schemeClr val="bg2"/>
+                </a:solidFill>
               </a:ln>
               <a:effectLst/>
             </c:spPr>
@@ -431,7 +549,9 @@
                 </a:bgClr>
               </a:pattFill>
               <a:ln>
-                <a:noFill/>
+                <a:solidFill>
+                  <a:schemeClr val="bg2"/>
+                </a:solidFill>
               </a:ln>
               <a:effectLst/>
             </c:spPr>
@@ -455,7 +575,9 @@
                 </a:bgClr>
               </a:pattFill>
               <a:ln>
-                <a:noFill/>
+                <a:solidFill>
+                  <a:schemeClr val="bg2"/>
+                </a:solidFill>
               </a:ln>
               <a:effectLst/>
             </c:spPr>
@@ -479,7 +601,9 @@
                 </a:bgClr>
               </a:pattFill>
               <a:ln>
-                <a:noFill/>
+                <a:solidFill>
+                  <a:schemeClr val="bg2"/>
+                </a:solidFill>
               </a:ln>
               <a:effectLst/>
             </c:spPr>
@@ -18205,6 +18329,9 @@
               <a:ext uri="{FF2B5EF4-FFF2-40B4-BE49-F238E27FC236}">
                 <a16:creationId xmlns:a16="http://schemas.microsoft.com/office/drawing/2014/main" id="{43A7BCAE-DEB1-4CC6-A9CA-2139093C5E6A}"/>
               </a:ext>
+              <a:ext uri="{C183D7F6-B498-43B3-948B-1728B52AA6E4}">
+                <adec:decorative xmlns:adec="http://schemas.microsoft.com/office/drawing/2017/decorative" val="1"/>
+              </a:ext>
             </a:extLst>
           </p:cNvPr>
           <p:cNvPicPr>
@@ -18338,6 +18465,9 @@
             <a:extLst>
               <a:ext uri="{FF2B5EF4-FFF2-40B4-BE49-F238E27FC236}">
                 <a16:creationId xmlns:a16="http://schemas.microsoft.com/office/drawing/2014/main" id="{15570671-ADD2-4EA8-9244-3C448C2A2DA6}"/>
+              </a:ext>
+              <a:ext uri="{C183D7F6-B498-43B3-948B-1728B52AA6E4}">
+                <adec:decorative xmlns:adec="http://schemas.microsoft.com/office/drawing/2017/decorative" val="1"/>
               </a:ext>
             </a:extLst>
           </p:cNvPr>
@@ -24509,7 +24639,7 @@
             <p:ph idx="1"/>
             <p:extLst>
               <p:ext uri="{D42A27DB-BD31-4B8C-83A1-F6EECF244321}">
-                <p14:modId xmlns:p14="http://schemas.microsoft.com/office/powerpoint/2010/main" val="3796505959"/>
+                <p14:modId xmlns:p14="http://schemas.microsoft.com/office/powerpoint/2010/main" val="2939161464"/>
               </p:ext>
             </p:extLst>
           </p:nvPr>
@@ -24939,6 +25069,236 @@
               <a:defRPr/>
             </a:pPr>
             <a:r>
+              <a:rPr kumimoji="0" lang="en-GB" sz="2800" b="0" i="0" u="none" strike="noStrike" kern="0" cap="none" spc="0" normalizeH="0" baseline="0" noProof="0" dirty="0">
+                <a:ln>
+                  <a:noFill/>
+                </a:ln>
+                <a:solidFill>
+                  <a:prstClr val="white"/>
+                </a:solidFill>
+                <a:effectLst/>
+                <a:uLnTx/>
+                <a:uFillTx/>
+                <a:latin typeface="Calibri" panose="020F0502020204030204"/>
+                <a:ea typeface="+mn-ea"/>
+                <a:cs typeface="+mn-cs"/>
+              </a:rPr>
+              <a:t>Hard to read</a:t>
+            </a:r>
+          </a:p>
+        </p:txBody>
+      </p:sp>
+      <p:sp>
+        <p:nvSpPr>
+          <p:cNvPr id="9" name="Rectangle 8">
+            <a:extLst>
+              <a:ext uri="{FF2B5EF4-FFF2-40B4-BE49-F238E27FC236}">
+                <a16:creationId xmlns:a16="http://schemas.microsoft.com/office/drawing/2014/main" id="{3F21CD2A-87D3-43DF-B47D-68F18B7629F2}"/>
+              </a:ext>
+            </a:extLst>
+          </p:cNvPr>
+          <p:cNvSpPr/>
+          <p:nvPr/>
+        </p:nvSpPr>
+        <p:spPr>
+          <a:xfrm>
+            <a:off x="4693825" y="1628747"/>
+            <a:ext cx="2819588" cy="1350959"/>
+          </a:xfrm>
+          <a:prstGeom prst="rect">
+            <a:avLst/>
+          </a:prstGeom>
+          <a:solidFill>
+            <a:sysClr val="window" lastClr="FFFFFF">
+              <a:lumMod val="75000"/>
+            </a:sysClr>
+          </a:solidFill>
+          <a:ln w="12700" cap="flat" cmpd="sng" algn="ctr">
+            <a:solidFill>
+              <a:schemeClr val="bg1">
+                <a:lumMod val="10000"/>
+              </a:schemeClr>
+            </a:solidFill>
+            <a:prstDash val="solid"/>
+            <a:miter lim="800000"/>
+          </a:ln>
+          <a:effectLst/>
+        </p:spPr>
+        <p:txBody>
+          <a:bodyPr rtlCol="0" anchor="ctr"/>
+          <a:lstStyle/>
+          <a:p>
+            <a:pPr marL="0" marR="0" lvl="0" indent="0" algn="ctr" defTabSz="914400" eaLnBrk="1" fontAlgn="auto" latinLnBrk="0" hangingPunct="1">
+              <a:lnSpc>
+                <a:spcPct val="100000"/>
+              </a:lnSpc>
+              <a:spcBef>
+                <a:spcPts val="0"/>
+              </a:spcBef>
+              <a:spcAft>
+                <a:spcPts val="0"/>
+              </a:spcAft>
+              <a:buClrTx/>
+              <a:buSzTx/>
+              <a:buFontTx/>
+              <a:buNone/>
+              <a:tabLst/>
+              <a:defRPr/>
+            </a:pPr>
+            <a:r>
+              <a:rPr kumimoji="0" lang="en-GB" sz="2800" b="0" i="0" u="none" strike="noStrike" kern="0" cap="none" spc="0" normalizeH="0" baseline="0" noProof="0" dirty="0">
+                <a:ln>
+                  <a:noFill/>
+                </a:ln>
+                <a:solidFill>
+                  <a:prstClr val="white"/>
+                </a:solidFill>
+                <a:effectLst/>
+                <a:uLnTx/>
+                <a:uFillTx/>
+                <a:latin typeface="Calibri" panose="020F0502020204030204"/>
+                <a:ea typeface="+mn-ea"/>
+                <a:cs typeface="+mn-cs"/>
+              </a:rPr>
+              <a:t>Hard to read</a:t>
+            </a:r>
+          </a:p>
+        </p:txBody>
+      </p:sp>
+      <p:sp>
+        <p:nvSpPr>
+          <p:cNvPr id="11" name="Rectangle 10">
+            <a:extLst>
+              <a:ext uri="{FF2B5EF4-FFF2-40B4-BE49-F238E27FC236}">
+                <a16:creationId xmlns:a16="http://schemas.microsoft.com/office/drawing/2014/main" id="{623950E4-38CF-4119-AEBF-1EEB30F323D1}"/>
+              </a:ext>
+            </a:extLst>
+          </p:cNvPr>
+          <p:cNvSpPr/>
+          <p:nvPr/>
+        </p:nvSpPr>
+        <p:spPr>
+          <a:xfrm>
+            <a:off x="8541832" y="1643952"/>
+            <a:ext cx="2819588" cy="1350959"/>
+          </a:xfrm>
+          <a:prstGeom prst="rect">
+            <a:avLst/>
+          </a:prstGeom>
+          <a:solidFill>
+            <a:srgbClr val="70AD47">
+              <a:lumMod val="20000"/>
+              <a:lumOff val="80000"/>
+            </a:srgbClr>
+          </a:solidFill>
+          <a:ln w="12700" cap="flat" cmpd="sng" algn="ctr">
+            <a:solidFill>
+              <a:schemeClr val="bg1">
+                <a:lumMod val="10000"/>
+              </a:schemeClr>
+            </a:solidFill>
+            <a:prstDash val="solid"/>
+            <a:miter lim="800000"/>
+          </a:ln>
+          <a:effectLst/>
+        </p:spPr>
+        <p:txBody>
+          <a:bodyPr rtlCol="0" anchor="ctr"/>
+          <a:lstStyle/>
+          <a:p>
+            <a:pPr marL="0" marR="0" lvl="0" indent="0" algn="ctr" defTabSz="914400" eaLnBrk="1" fontAlgn="auto" latinLnBrk="0" hangingPunct="1">
+              <a:lnSpc>
+                <a:spcPct val="100000"/>
+              </a:lnSpc>
+              <a:spcBef>
+                <a:spcPts val="0"/>
+              </a:spcBef>
+              <a:spcAft>
+                <a:spcPts val="0"/>
+              </a:spcAft>
+              <a:buClrTx/>
+              <a:buSzTx/>
+              <a:buFontTx/>
+              <a:buNone/>
+              <a:tabLst/>
+              <a:defRPr/>
+            </a:pPr>
+            <a:r>
+              <a:rPr kumimoji="0" lang="en-GB" sz="2800" b="0" i="0" u="none" strike="noStrike" kern="0" cap="none" spc="0" normalizeH="0" baseline="0" noProof="0" dirty="0">
+                <a:ln>
+                  <a:noFill/>
+                </a:ln>
+                <a:solidFill>
+                  <a:prstClr val="white"/>
+                </a:solidFill>
+                <a:effectLst/>
+                <a:uLnTx/>
+                <a:uFillTx/>
+                <a:latin typeface="Calibri" panose="020F0502020204030204"/>
+                <a:ea typeface="+mn-ea"/>
+                <a:cs typeface="+mn-cs"/>
+              </a:rPr>
+              <a:t>Hard to read</a:t>
+            </a:r>
+          </a:p>
+        </p:txBody>
+      </p:sp>
+      <p:sp>
+        <p:nvSpPr>
+          <p:cNvPr id="13" name="Rectangle 12">
+            <a:extLst>
+              <a:ext uri="{FF2B5EF4-FFF2-40B4-BE49-F238E27FC236}">
+                <a16:creationId xmlns:a16="http://schemas.microsoft.com/office/drawing/2014/main" id="{56A6469C-D484-4DEA-8006-612932C77562}"/>
+              </a:ext>
+            </a:extLst>
+          </p:cNvPr>
+          <p:cNvSpPr/>
+          <p:nvPr/>
+        </p:nvSpPr>
+        <p:spPr>
+          <a:xfrm>
+            <a:off x="845819" y="3077810"/>
+            <a:ext cx="2819588" cy="1350959"/>
+          </a:xfrm>
+          <a:prstGeom prst="rect">
+            <a:avLst/>
+          </a:prstGeom>
+          <a:solidFill>
+            <a:srgbClr val="70AD47"/>
+          </a:solidFill>
+          <a:ln w="12700" cap="flat" cmpd="sng" algn="ctr">
+            <a:solidFill>
+              <a:schemeClr val="bg1">
+                <a:lumMod val="10000"/>
+              </a:schemeClr>
+            </a:solidFill>
+            <a:prstDash val="solid"/>
+            <a:miter lim="800000"/>
+          </a:ln>
+          <a:effectLst/>
+        </p:spPr>
+        <p:txBody>
+          <a:bodyPr rtlCol="0" anchor="ctr"/>
+          <a:lstStyle/>
+          <a:p>
+            <a:pPr marL="0" marR="0" lvl="0" indent="0" algn="ctr" defTabSz="914400" eaLnBrk="1" fontAlgn="auto" latinLnBrk="0" hangingPunct="1">
+              <a:lnSpc>
+                <a:spcPct val="100000"/>
+              </a:lnSpc>
+              <a:spcBef>
+                <a:spcPts val="0"/>
+              </a:spcBef>
+              <a:spcAft>
+                <a:spcPts val="0"/>
+              </a:spcAft>
+              <a:buClrTx/>
+              <a:buSzTx/>
+              <a:buFontTx/>
+              <a:buNone/>
+              <a:tabLst/>
+              <a:defRPr/>
+            </a:pPr>
+            <a:r>
               <a:rPr kumimoji="0" lang="en-GB" sz="2800" b="0" i="0" u="none" strike="noStrike" kern="0" cap="none" spc="0" normalizeH="0" baseline="0" noProof="0">
                 <a:ln>
                   <a:noFill/>
@@ -24953,7 +25313,382 @@
                 <a:ea typeface="+mn-ea"/>
                 <a:cs typeface="+mn-cs"/>
               </a:rPr>
-              <a:t>Hard to read</a:t>
+              <a:t>Hard to read?</a:t>
+            </a:r>
+          </a:p>
+        </p:txBody>
+      </p:sp>
+      <p:sp>
+        <p:nvSpPr>
+          <p:cNvPr id="15" name="Rectangle 14">
+            <a:extLst>
+              <a:ext uri="{FF2B5EF4-FFF2-40B4-BE49-F238E27FC236}">
+                <a16:creationId xmlns:a16="http://schemas.microsoft.com/office/drawing/2014/main" id="{4CFF2B7B-A225-4858-AD95-EF643216D1E5}"/>
+              </a:ext>
+            </a:extLst>
+          </p:cNvPr>
+          <p:cNvSpPr/>
+          <p:nvPr/>
+        </p:nvSpPr>
+        <p:spPr>
+          <a:xfrm>
+            <a:off x="4693826" y="3065772"/>
+            <a:ext cx="2819588" cy="1350959"/>
+          </a:xfrm>
+          <a:prstGeom prst="rect">
+            <a:avLst/>
+          </a:prstGeom>
+          <a:solidFill>
+            <a:srgbClr val="FF0000"/>
+          </a:solidFill>
+          <a:ln w="12700" cap="flat" cmpd="sng" algn="ctr">
+            <a:solidFill>
+              <a:schemeClr val="bg1">
+                <a:lumMod val="10000"/>
+              </a:schemeClr>
+            </a:solidFill>
+            <a:prstDash val="solid"/>
+            <a:miter lim="800000"/>
+          </a:ln>
+          <a:effectLst/>
+        </p:spPr>
+        <p:txBody>
+          <a:bodyPr rtlCol="0" anchor="ctr"/>
+          <a:lstStyle/>
+          <a:p>
+            <a:pPr marL="0" marR="0" lvl="0" indent="0" algn="ctr" defTabSz="914400" eaLnBrk="1" fontAlgn="auto" latinLnBrk="0" hangingPunct="1">
+              <a:lnSpc>
+                <a:spcPct val="100000"/>
+              </a:lnSpc>
+              <a:spcBef>
+                <a:spcPts val="0"/>
+              </a:spcBef>
+              <a:spcAft>
+                <a:spcPts val="0"/>
+              </a:spcAft>
+              <a:buClrTx/>
+              <a:buSzTx/>
+              <a:buFontTx/>
+              <a:buNone/>
+              <a:tabLst/>
+              <a:defRPr/>
+            </a:pPr>
+            <a:r>
+              <a:rPr kumimoji="0" lang="en-GB" sz="2800" b="0" i="0" u="none" strike="noStrike" kern="0" cap="none" spc="0" normalizeH="0" baseline="0" noProof="0" dirty="0">
+                <a:ln>
+                  <a:noFill/>
+                </a:ln>
+                <a:solidFill>
+                  <a:prstClr val="white"/>
+                </a:solidFill>
+                <a:effectLst/>
+                <a:uLnTx/>
+                <a:uFillTx/>
+                <a:latin typeface="Calibri" panose="020F0502020204030204"/>
+                <a:ea typeface="+mn-ea"/>
+                <a:cs typeface="+mn-cs"/>
+              </a:rPr>
+              <a:t>Hard to read?</a:t>
+            </a:r>
+          </a:p>
+        </p:txBody>
+      </p:sp>
+      <p:sp>
+        <p:nvSpPr>
+          <p:cNvPr id="17" name="Rectangle 16">
+            <a:extLst>
+              <a:ext uri="{FF2B5EF4-FFF2-40B4-BE49-F238E27FC236}">
+                <a16:creationId xmlns:a16="http://schemas.microsoft.com/office/drawing/2014/main" id="{CC926C93-C8B2-4B8B-AA02-8FA7BA50F676}"/>
+              </a:ext>
+            </a:extLst>
+          </p:cNvPr>
+          <p:cNvSpPr/>
+          <p:nvPr/>
+        </p:nvSpPr>
+        <p:spPr>
+          <a:xfrm>
+            <a:off x="8541832" y="3083038"/>
+            <a:ext cx="2819588" cy="1350959"/>
+          </a:xfrm>
+          <a:prstGeom prst="rect">
+            <a:avLst/>
+          </a:prstGeom>
+          <a:solidFill>
+            <a:srgbClr val="5B9BD5"/>
+          </a:solidFill>
+          <a:ln w="12700" cap="flat" cmpd="sng" algn="ctr">
+            <a:solidFill>
+              <a:schemeClr val="bg1">
+                <a:lumMod val="10000"/>
+              </a:schemeClr>
+            </a:solidFill>
+            <a:prstDash val="solid"/>
+            <a:miter lim="800000"/>
+          </a:ln>
+          <a:effectLst/>
+        </p:spPr>
+        <p:txBody>
+          <a:bodyPr rtlCol="0" anchor="ctr"/>
+          <a:lstStyle/>
+          <a:p>
+            <a:pPr marL="0" marR="0" lvl="0" indent="0" algn="ctr" defTabSz="914400" eaLnBrk="1" fontAlgn="auto" latinLnBrk="0" hangingPunct="1">
+              <a:lnSpc>
+                <a:spcPct val="100000"/>
+              </a:lnSpc>
+              <a:spcBef>
+                <a:spcPts val="0"/>
+              </a:spcBef>
+              <a:spcAft>
+                <a:spcPts val="0"/>
+              </a:spcAft>
+              <a:buClrTx/>
+              <a:buSzTx/>
+              <a:buFontTx/>
+              <a:buNone/>
+              <a:tabLst/>
+              <a:defRPr/>
+            </a:pPr>
+            <a:r>
+              <a:rPr kumimoji="0" lang="en-GB" sz="2800" b="0" i="0" u="none" strike="noStrike" kern="0" cap="none" spc="0" normalizeH="0" baseline="0" noProof="0">
+                <a:ln>
+                  <a:noFill/>
+                </a:ln>
+                <a:solidFill>
+                  <a:prstClr val="white"/>
+                </a:solidFill>
+                <a:effectLst/>
+                <a:uLnTx/>
+                <a:uFillTx/>
+                <a:latin typeface="Calibri" panose="020F0502020204030204"/>
+                <a:ea typeface="+mn-ea"/>
+                <a:cs typeface="+mn-cs"/>
+              </a:rPr>
+              <a:t>Hard to read?</a:t>
+            </a:r>
+          </a:p>
+        </p:txBody>
+      </p:sp>
+      <p:sp>
+        <p:nvSpPr>
+          <p:cNvPr id="19" name="Rectangle 18">
+            <a:extLst>
+              <a:ext uri="{FF2B5EF4-FFF2-40B4-BE49-F238E27FC236}">
+                <a16:creationId xmlns:a16="http://schemas.microsoft.com/office/drawing/2014/main" id="{8EBBDE6B-84FB-48FE-84A2-52D793376388}"/>
+              </a:ext>
+            </a:extLst>
+          </p:cNvPr>
+          <p:cNvSpPr/>
+          <p:nvPr/>
+        </p:nvSpPr>
+        <p:spPr>
+          <a:xfrm>
+            <a:off x="845819" y="4507412"/>
+            <a:ext cx="2819588" cy="1350959"/>
+          </a:xfrm>
+          <a:prstGeom prst="rect">
+            <a:avLst/>
+          </a:prstGeom>
+          <a:solidFill>
+            <a:sysClr val="windowText" lastClr="000000"/>
+          </a:solidFill>
+          <a:ln w="12700" cap="flat" cmpd="sng" algn="ctr">
+            <a:solidFill>
+              <a:schemeClr val="bg1">
+                <a:lumMod val="10000"/>
+              </a:schemeClr>
+            </a:solidFill>
+            <a:prstDash val="solid"/>
+            <a:miter lim="800000"/>
+          </a:ln>
+          <a:effectLst/>
+        </p:spPr>
+        <p:txBody>
+          <a:bodyPr rtlCol="0" anchor="ctr"/>
+          <a:lstStyle/>
+          <a:p>
+            <a:pPr marL="0" marR="0" lvl="0" indent="0" algn="ctr" defTabSz="914400" eaLnBrk="1" fontAlgn="auto" latinLnBrk="0" hangingPunct="1">
+              <a:lnSpc>
+                <a:spcPct val="100000"/>
+              </a:lnSpc>
+              <a:spcBef>
+                <a:spcPts val="0"/>
+              </a:spcBef>
+              <a:spcAft>
+                <a:spcPts val="0"/>
+              </a:spcAft>
+              <a:buClrTx/>
+              <a:buSzTx/>
+              <a:buFontTx/>
+              <a:buNone/>
+              <a:tabLst/>
+              <a:defRPr/>
+            </a:pPr>
+            <a:r>
+              <a:rPr kumimoji="0" lang="en-GB" sz="2800" b="0" i="0" u="none" strike="noStrike" kern="0" cap="none" spc="0" normalizeH="0" baseline="0" noProof="0">
+                <a:ln>
+                  <a:noFill/>
+                </a:ln>
+                <a:solidFill>
+                  <a:prstClr val="white"/>
+                </a:solidFill>
+                <a:effectLst/>
+                <a:uLnTx/>
+                <a:uFillTx/>
+                <a:latin typeface="Calibri" panose="020F0502020204030204"/>
+                <a:ea typeface="+mn-ea"/>
+                <a:cs typeface="+mn-cs"/>
+              </a:rPr>
+              <a:t>Easy to read</a:t>
+            </a:r>
+          </a:p>
+        </p:txBody>
+      </p:sp>
+      <p:sp>
+        <p:nvSpPr>
+          <p:cNvPr id="21" name="Rectangle 20">
+            <a:extLst>
+              <a:ext uri="{FF2B5EF4-FFF2-40B4-BE49-F238E27FC236}">
+                <a16:creationId xmlns:a16="http://schemas.microsoft.com/office/drawing/2014/main" id="{5ECDA92C-CC9F-46AF-BAF3-B3A774B71503}"/>
+              </a:ext>
+            </a:extLst>
+          </p:cNvPr>
+          <p:cNvSpPr/>
+          <p:nvPr/>
+        </p:nvSpPr>
+        <p:spPr>
+          <a:xfrm>
+            <a:off x="4693826" y="4511020"/>
+            <a:ext cx="2819588" cy="1350959"/>
+          </a:xfrm>
+          <a:prstGeom prst="rect">
+            <a:avLst/>
+          </a:prstGeom>
+          <a:solidFill>
+            <a:srgbClr val="002060"/>
+          </a:solidFill>
+          <a:ln w="12700" cap="flat" cmpd="sng" algn="ctr">
+            <a:solidFill>
+              <a:schemeClr val="bg1">
+                <a:lumMod val="10000"/>
+              </a:schemeClr>
+            </a:solidFill>
+            <a:prstDash val="solid"/>
+            <a:miter lim="800000"/>
+          </a:ln>
+          <a:effectLst/>
+        </p:spPr>
+        <p:txBody>
+          <a:bodyPr rtlCol="0" anchor="ctr"/>
+          <a:lstStyle/>
+          <a:p>
+            <a:pPr marL="0" marR="0" lvl="0" indent="0" algn="ctr" defTabSz="914400" eaLnBrk="1" fontAlgn="auto" latinLnBrk="0" hangingPunct="1">
+              <a:lnSpc>
+                <a:spcPct val="100000"/>
+              </a:lnSpc>
+              <a:spcBef>
+                <a:spcPts val="0"/>
+              </a:spcBef>
+              <a:spcAft>
+                <a:spcPts val="0"/>
+              </a:spcAft>
+              <a:buClrTx/>
+              <a:buSzTx/>
+              <a:buFontTx/>
+              <a:buNone/>
+              <a:tabLst/>
+              <a:defRPr/>
+            </a:pPr>
+            <a:r>
+              <a:rPr kumimoji="0" lang="en-GB" sz="2800" b="0" i="0" u="none" strike="noStrike" kern="0" cap="none" spc="0" normalizeH="0" baseline="0" noProof="0">
+                <a:ln>
+                  <a:noFill/>
+                </a:ln>
+                <a:solidFill>
+                  <a:prstClr val="white"/>
+                </a:solidFill>
+                <a:effectLst/>
+                <a:uLnTx/>
+                <a:uFillTx/>
+                <a:latin typeface="Calibri" panose="020F0502020204030204"/>
+                <a:ea typeface="+mn-ea"/>
+                <a:cs typeface="+mn-cs"/>
+              </a:rPr>
+              <a:t>Easy to read</a:t>
+            </a:r>
+          </a:p>
+        </p:txBody>
+      </p:sp>
+      <p:sp>
+        <p:nvSpPr>
+          <p:cNvPr id="23" name="Rectangle 22">
+            <a:extLst>
+              <a:ext uri="{FF2B5EF4-FFF2-40B4-BE49-F238E27FC236}">
+                <a16:creationId xmlns:a16="http://schemas.microsoft.com/office/drawing/2014/main" id="{98424BB2-4D0D-46B8-9AAF-0CCCA1302168}"/>
+              </a:ext>
+            </a:extLst>
+          </p:cNvPr>
+          <p:cNvSpPr/>
+          <p:nvPr/>
+        </p:nvSpPr>
+        <p:spPr>
+          <a:xfrm>
+            <a:off x="8541832" y="4513472"/>
+            <a:ext cx="2819588" cy="1350959"/>
+          </a:xfrm>
+          <a:prstGeom prst="rect">
+            <a:avLst/>
+          </a:prstGeom>
+          <a:solidFill>
+            <a:srgbClr val="ED7D31"/>
+          </a:solidFill>
+          <a:ln w="12700" cap="flat" cmpd="sng" algn="ctr">
+            <a:solidFill>
+              <a:schemeClr val="bg1">
+                <a:lumMod val="10000"/>
+              </a:schemeClr>
+            </a:solidFill>
+            <a:prstDash val="solid"/>
+            <a:miter lim="800000"/>
+          </a:ln>
+          <a:effectLst/>
+        </p:spPr>
+        <p:txBody>
+          <a:bodyPr rtlCol="0" anchor="ctr"/>
+          <a:lstStyle/>
+          <a:p>
+            <a:pPr marL="0" marR="0" lvl="0" indent="0" algn="ctr" defTabSz="914400" eaLnBrk="1" fontAlgn="auto" latinLnBrk="0" hangingPunct="1">
+              <a:lnSpc>
+                <a:spcPct val="100000"/>
+              </a:lnSpc>
+              <a:spcBef>
+                <a:spcPts val="0"/>
+              </a:spcBef>
+              <a:spcAft>
+                <a:spcPts val="0"/>
+              </a:spcAft>
+              <a:buClrTx/>
+              <a:buSzTx/>
+              <a:buFontTx/>
+              <a:buNone/>
+              <a:tabLst/>
+              <a:defRPr/>
+            </a:pPr>
+            <a:r>
+              <a:rPr kumimoji="0" lang="en-GB" sz="2800" b="0" i="0" u="none" strike="noStrike" kern="0" cap="none" spc="0" normalizeH="0" baseline="0" noProof="0">
+                <a:ln>
+                  <a:noFill/>
+                </a:ln>
+                <a:solidFill>
+                  <a:prstClr val="black"/>
+                </a:solidFill>
+                <a:effectLst/>
+                <a:uLnTx/>
+                <a:uFillTx/>
+                <a:latin typeface="Calibri" panose="020F0502020204030204"/>
+                <a:ea typeface="+mn-ea"/>
+                <a:cs typeface="+mn-cs"/>
+              </a:rPr>
+              <a:t>Easy to read</a:t>
             </a:r>
           </a:p>
         </p:txBody>
@@ -25026,83 +25761,6 @@
       </p:sp>
       <p:sp>
         <p:nvSpPr>
-          <p:cNvPr id="9" name="Rectangle 8">
-            <a:extLst>
-              <a:ext uri="{FF2B5EF4-FFF2-40B4-BE49-F238E27FC236}">
-                <a16:creationId xmlns:a16="http://schemas.microsoft.com/office/drawing/2014/main" id="{3F21CD2A-87D3-43DF-B47D-68F18B7629F2}"/>
-              </a:ext>
-            </a:extLst>
-          </p:cNvPr>
-          <p:cNvSpPr/>
-          <p:nvPr/>
-        </p:nvSpPr>
-        <p:spPr>
-          <a:xfrm>
-            <a:off x="4693825" y="1628747"/>
-            <a:ext cx="2819588" cy="1350959"/>
-          </a:xfrm>
-          <a:prstGeom prst="rect">
-            <a:avLst/>
-          </a:prstGeom>
-          <a:solidFill>
-            <a:sysClr val="window" lastClr="FFFFFF">
-              <a:lumMod val="75000"/>
-            </a:sysClr>
-          </a:solidFill>
-          <a:ln w="12700" cap="flat" cmpd="sng" algn="ctr">
-            <a:solidFill>
-              <a:schemeClr val="bg1">
-                <a:lumMod val="10000"/>
-              </a:schemeClr>
-            </a:solidFill>
-            <a:prstDash val="solid"/>
-            <a:miter lim="800000"/>
-          </a:ln>
-          <a:effectLst/>
-        </p:spPr>
-        <p:txBody>
-          <a:bodyPr rtlCol="0" anchor="ctr"/>
-          <a:lstStyle/>
-          <a:p>
-            <a:pPr marL="0" marR="0" lvl="0" indent="0" algn="ctr" defTabSz="914400" eaLnBrk="1" fontAlgn="auto" latinLnBrk="0" hangingPunct="1">
-              <a:lnSpc>
-                <a:spcPct val="100000"/>
-              </a:lnSpc>
-              <a:spcBef>
-                <a:spcPts val="0"/>
-              </a:spcBef>
-              <a:spcAft>
-                <a:spcPts val="0"/>
-              </a:spcAft>
-              <a:buClrTx/>
-              <a:buSzTx/>
-              <a:buFontTx/>
-              <a:buNone/>
-              <a:tabLst/>
-              <a:defRPr/>
-            </a:pPr>
-            <a:r>
-              <a:rPr kumimoji="0" lang="en-GB" sz="2800" b="0" i="0" u="none" strike="noStrike" kern="0" cap="none" spc="0" normalizeH="0" baseline="0" noProof="0">
-                <a:ln>
-                  <a:noFill/>
-                </a:ln>
-                <a:solidFill>
-                  <a:prstClr val="white"/>
-                </a:solidFill>
-                <a:effectLst/>
-                <a:uLnTx/>
-                <a:uFillTx/>
-                <a:latin typeface="Calibri" panose="020F0502020204030204"/>
-                <a:ea typeface="+mn-ea"/>
-                <a:cs typeface="+mn-cs"/>
-              </a:rPr>
-              <a:t>Hard to read</a:t>
-            </a:r>
-          </a:p>
-        </p:txBody>
-      </p:sp>
-      <p:sp>
-        <p:nvSpPr>
           <p:cNvPr id="10" name="Rectangle 9">
             <a:extLst>
               <a:ext uri="{FF2B5EF4-FFF2-40B4-BE49-F238E27FC236}">
@@ -25169,84 +25827,6 @@
       </p:sp>
       <p:sp>
         <p:nvSpPr>
-          <p:cNvPr id="11" name="Rectangle 10">
-            <a:extLst>
-              <a:ext uri="{FF2B5EF4-FFF2-40B4-BE49-F238E27FC236}">
-                <a16:creationId xmlns:a16="http://schemas.microsoft.com/office/drawing/2014/main" id="{623950E4-38CF-4119-AEBF-1EEB30F323D1}"/>
-              </a:ext>
-            </a:extLst>
-          </p:cNvPr>
-          <p:cNvSpPr/>
-          <p:nvPr/>
-        </p:nvSpPr>
-        <p:spPr>
-          <a:xfrm>
-            <a:off x="8541832" y="1643952"/>
-            <a:ext cx="2819588" cy="1350959"/>
-          </a:xfrm>
-          <a:prstGeom prst="rect">
-            <a:avLst/>
-          </a:prstGeom>
-          <a:solidFill>
-            <a:srgbClr val="70AD47">
-              <a:lumMod val="20000"/>
-              <a:lumOff val="80000"/>
-            </a:srgbClr>
-          </a:solidFill>
-          <a:ln w="12700" cap="flat" cmpd="sng" algn="ctr">
-            <a:solidFill>
-              <a:schemeClr val="bg1">
-                <a:lumMod val="10000"/>
-              </a:schemeClr>
-            </a:solidFill>
-            <a:prstDash val="solid"/>
-            <a:miter lim="800000"/>
-          </a:ln>
-          <a:effectLst/>
-        </p:spPr>
-        <p:txBody>
-          <a:bodyPr rtlCol="0" anchor="ctr"/>
-          <a:lstStyle/>
-          <a:p>
-            <a:pPr marL="0" marR="0" lvl="0" indent="0" algn="ctr" defTabSz="914400" eaLnBrk="1" fontAlgn="auto" latinLnBrk="0" hangingPunct="1">
-              <a:lnSpc>
-                <a:spcPct val="100000"/>
-              </a:lnSpc>
-              <a:spcBef>
-                <a:spcPts val="0"/>
-              </a:spcBef>
-              <a:spcAft>
-                <a:spcPts val="0"/>
-              </a:spcAft>
-              <a:buClrTx/>
-              <a:buSzTx/>
-              <a:buFontTx/>
-              <a:buNone/>
-              <a:tabLst/>
-              <a:defRPr/>
-            </a:pPr>
-            <a:r>
-              <a:rPr kumimoji="0" lang="en-GB" sz="2800" b="0" i="0" u="none" strike="noStrike" kern="0" cap="none" spc="0" normalizeH="0" baseline="0" noProof="0" dirty="0">
-                <a:ln>
-                  <a:noFill/>
-                </a:ln>
-                <a:solidFill>
-                  <a:prstClr val="white"/>
-                </a:solidFill>
-                <a:effectLst/>
-                <a:uLnTx/>
-                <a:uFillTx/>
-                <a:latin typeface="Calibri" panose="020F0502020204030204"/>
-                <a:ea typeface="+mn-ea"/>
-                <a:cs typeface="+mn-cs"/>
-              </a:rPr>
-              <a:t>Hard to read</a:t>
-            </a:r>
-          </a:p>
-        </p:txBody>
-      </p:sp>
-      <p:sp>
-        <p:nvSpPr>
           <p:cNvPr id="12" name="Rectangle 11">
             <a:extLst>
               <a:ext uri="{FF2B5EF4-FFF2-40B4-BE49-F238E27FC236}">
@@ -25313,81 +25893,6 @@
       </p:sp>
       <p:sp>
         <p:nvSpPr>
-          <p:cNvPr id="13" name="Rectangle 12">
-            <a:extLst>
-              <a:ext uri="{FF2B5EF4-FFF2-40B4-BE49-F238E27FC236}">
-                <a16:creationId xmlns:a16="http://schemas.microsoft.com/office/drawing/2014/main" id="{56A6469C-D484-4DEA-8006-612932C77562}"/>
-              </a:ext>
-            </a:extLst>
-          </p:cNvPr>
-          <p:cNvSpPr/>
-          <p:nvPr/>
-        </p:nvSpPr>
-        <p:spPr>
-          <a:xfrm>
-            <a:off x="845819" y="3077810"/>
-            <a:ext cx="2819588" cy="1350959"/>
-          </a:xfrm>
-          <a:prstGeom prst="rect">
-            <a:avLst/>
-          </a:prstGeom>
-          <a:solidFill>
-            <a:srgbClr val="70AD47"/>
-          </a:solidFill>
-          <a:ln w="12700" cap="flat" cmpd="sng" algn="ctr">
-            <a:solidFill>
-              <a:schemeClr val="bg1">
-                <a:lumMod val="10000"/>
-              </a:schemeClr>
-            </a:solidFill>
-            <a:prstDash val="solid"/>
-            <a:miter lim="800000"/>
-          </a:ln>
-          <a:effectLst/>
-        </p:spPr>
-        <p:txBody>
-          <a:bodyPr rtlCol="0" anchor="ctr"/>
-          <a:lstStyle/>
-          <a:p>
-            <a:pPr marL="0" marR="0" lvl="0" indent="0" algn="ctr" defTabSz="914400" eaLnBrk="1" fontAlgn="auto" latinLnBrk="0" hangingPunct="1">
-              <a:lnSpc>
-                <a:spcPct val="100000"/>
-              </a:lnSpc>
-              <a:spcBef>
-                <a:spcPts val="0"/>
-              </a:spcBef>
-              <a:spcAft>
-                <a:spcPts val="0"/>
-              </a:spcAft>
-              <a:buClrTx/>
-              <a:buSzTx/>
-              <a:buFontTx/>
-              <a:buNone/>
-              <a:tabLst/>
-              <a:defRPr/>
-            </a:pPr>
-            <a:r>
-              <a:rPr kumimoji="0" lang="en-GB" sz="2800" b="0" i="0" u="none" strike="noStrike" kern="0" cap="none" spc="0" normalizeH="0" baseline="0" noProof="0">
-                <a:ln>
-                  <a:noFill/>
-                </a:ln>
-                <a:solidFill>
-                  <a:prstClr val="white"/>
-                </a:solidFill>
-                <a:effectLst/>
-                <a:uLnTx/>
-                <a:uFillTx/>
-                <a:latin typeface="Calibri" panose="020F0502020204030204"/>
-                <a:ea typeface="+mn-ea"/>
-                <a:cs typeface="+mn-cs"/>
-              </a:rPr>
-              <a:t>Hard to read?</a:t>
-            </a:r>
-          </a:p>
-        </p:txBody>
-      </p:sp>
-      <p:sp>
-        <p:nvSpPr>
           <p:cNvPr id="14" name="Rectangle 13">
             <a:extLst>
               <a:ext uri="{FF2B5EF4-FFF2-40B4-BE49-F238E27FC236}">
@@ -25454,81 +25959,6 @@
       </p:sp>
       <p:sp>
         <p:nvSpPr>
-          <p:cNvPr id="15" name="Rectangle 14">
-            <a:extLst>
-              <a:ext uri="{FF2B5EF4-FFF2-40B4-BE49-F238E27FC236}">
-                <a16:creationId xmlns:a16="http://schemas.microsoft.com/office/drawing/2014/main" id="{4CFF2B7B-A225-4858-AD95-EF643216D1E5}"/>
-              </a:ext>
-            </a:extLst>
-          </p:cNvPr>
-          <p:cNvSpPr/>
-          <p:nvPr/>
-        </p:nvSpPr>
-        <p:spPr>
-          <a:xfrm>
-            <a:off x="4693826" y="3065772"/>
-            <a:ext cx="2819588" cy="1350959"/>
-          </a:xfrm>
-          <a:prstGeom prst="rect">
-            <a:avLst/>
-          </a:prstGeom>
-          <a:solidFill>
-            <a:srgbClr val="FF0000"/>
-          </a:solidFill>
-          <a:ln w="12700" cap="flat" cmpd="sng" algn="ctr">
-            <a:solidFill>
-              <a:schemeClr val="bg1">
-                <a:lumMod val="10000"/>
-              </a:schemeClr>
-            </a:solidFill>
-            <a:prstDash val="solid"/>
-            <a:miter lim="800000"/>
-          </a:ln>
-          <a:effectLst/>
-        </p:spPr>
-        <p:txBody>
-          <a:bodyPr rtlCol="0" anchor="ctr"/>
-          <a:lstStyle/>
-          <a:p>
-            <a:pPr marL="0" marR="0" lvl="0" indent="0" algn="ctr" defTabSz="914400" eaLnBrk="1" fontAlgn="auto" latinLnBrk="0" hangingPunct="1">
-              <a:lnSpc>
-                <a:spcPct val="100000"/>
-              </a:lnSpc>
-              <a:spcBef>
-                <a:spcPts val="0"/>
-              </a:spcBef>
-              <a:spcAft>
-                <a:spcPts val="0"/>
-              </a:spcAft>
-              <a:buClrTx/>
-              <a:buSzTx/>
-              <a:buFontTx/>
-              <a:buNone/>
-              <a:tabLst/>
-              <a:defRPr/>
-            </a:pPr>
-            <a:r>
-              <a:rPr kumimoji="0" lang="en-GB" sz="2800" b="0" i="0" u="none" strike="noStrike" kern="0" cap="none" spc="0" normalizeH="0" baseline="0" noProof="0" dirty="0">
-                <a:ln>
-                  <a:noFill/>
-                </a:ln>
-                <a:solidFill>
-                  <a:prstClr val="white"/>
-                </a:solidFill>
-                <a:effectLst/>
-                <a:uLnTx/>
-                <a:uFillTx/>
-                <a:latin typeface="Calibri" panose="020F0502020204030204"/>
-                <a:ea typeface="+mn-ea"/>
-                <a:cs typeface="+mn-cs"/>
-              </a:rPr>
-              <a:t>Hard to read?</a:t>
-            </a:r>
-          </a:p>
-        </p:txBody>
-      </p:sp>
-      <p:sp>
-        <p:nvSpPr>
           <p:cNvPr id="16" name="Rectangle 15">
             <a:extLst>
               <a:ext uri="{FF2B5EF4-FFF2-40B4-BE49-F238E27FC236}">
@@ -25595,81 +26025,6 @@
       </p:sp>
       <p:sp>
         <p:nvSpPr>
-          <p:cNvPr id="17" name="Rectangle 16">
-            <a:extLst>
-              <a:ext uri="{FF2B5EF4-FFF2-40B4-BE49-F238E27FC236}">
-                <a16:creationId xmlns:a16="http://schemas.microsoft.com/office/drawing/2014/main" id="{CC926C93-C8B2-4B8B-AA02-8FA7BA50F676}"/>
-              </a:ext>
-            </a:extLst>
-          </p:cNvPr>
-          <p:cNvSpPr/>
-          <p:nvPr/>
-        </p:nvSpPr>
-        <p:spPr>
-          <a:xfrm>
-            <a:off x="8541832" y="3083038"/>
-            <a:ext cx="2819588" cy="1350959"/>
-          </a:xfrm>
-          <a:prstGeom prst="rect">
-            <a:avLst/>
-          </a:prstGeom>
-          <a:solidFill>
-            <a:srgbClr val="5B9BD5"/>
-          </a:solidFill>
-          <a:ln w="12700" cap="flat" cmpd="sng" algn="ctr">
-            <a:solidFill>
-              <a:schemeClr val="bg1">
-                <a:lumMod val="10000"/>
-              </a:schemeClr>
-            </a:solidFill>
-            <a:prstDash val="solid"/>
-            <a:miter lim="800000"/>
-          </a:ln>
-          <a:effectLst/>
-        </p:spPr>
-        <p:txBody>
-          <a:bodyPr rtlCol="0" anchor="ctr"/>
-          <a:lstStyle/>
-          <a:p>
-            <a:pPr marL="0" marR="0" lvl="0" indent="0" algn="ctr" defTabSz="914400" eaLnBrk="1" fontAlgn="auto" latinLnBrk="0" hangingPunct="1">
-              <a:lnSpc>
-                <a:spcPct val="100000"/>
-              </a:lnSpc>
-              <a:spcBef>
-                <a:spcPts val="0"/>
-              </a:spcBef>
-              <a:spcAft>
-                <a:spcPts val="0"/>
-              </a:spcAft>
-              <a:buClrTx/>
-              <a:buSzTx/>
-              <a:buFontTx/>
-              <a:buNone/>
-              <a:tabLst/>
-              <a:defRPr/>
-            </a:pPr>
-            <a:r>
-              <a:rPr kumimoji="0" lang="en-GB" sz="2800" b="0" i="0" u="none" strike="noStrike" kern="0" cap="none" spc="0" normalizeH="0" baseline="0" noProof="0">
-                <a:ln>
-                  <a:noFill/>
-                </a:ln>
-                <a:solidFill>
-                  <a:prstClr val="white"/>
-                </a:solidFill>
-                <a:effectLst/>
-                <a:uLnTx/>
-                <a:uFillTx/>
-                <a:latin typeface="Calibri" panose="020F0502020204030204"/>
-                <a:ea typeface="+mn-ea"/>
-                <a:cs typeface="+mn-cs"/>
-              </a:rPr>
-              <a:t>Hard to read?</a:t>
-            </a:r>
-          </a:p>
-        </p:txBody>
-      </p:sp>
-      <p:sp>
-        <p:nvSpPr>
           <p:cNvPr id="18" name="Rectangle 17">
             <a:extLst>
               <a:ext uri="{FF2B5EF4-FFF2-40B4-BE49-F238E27FC236}">
@@ -25736,81 +26091,6 @@
       </p:sp>
       <p:sp>
         <p:nvSpPr>
-          <p:cNvPr id="19" name="Rectangle 18">
-            <a:extLst>
-              <a:ext uri="{FF2B5EF4-FFF2-40B4-BE49-F238E27FC236}">
-                <a16:creationId xmlns:a16="http://schemas.microsoft.com/office/drawing/2014/main" id="{8EBBDE6B-84FB-48FE-84A2-52D793376388}"/>
-              </a:ext>
-            </a:extLst>
-          </p:cNvPr>
-          <p:cNvSpPr/>
-          <p:nvPr/>
-        </p:nvSpPr>
-        <p:spPr>
-          <a:xfrm>
-            <a:off x="845819" y="4507412"/>
-            <a:ext cx="2819588" cy="1350959"/>
-          </a:xfrm>
-          <a:prstGeom prst="rect">
-            <a:avLst/>
-          </a:prstGeom>
-          <a:solidFill>
-            <a:sysClr val="windowText" lastClr="000000"/>
-          </a:solidFill>
-          <a:ln w="12700" cap="flat" cmpd="sng" algn="ctr">
-            <a:solidFill>
-              <a:schemeClr val="bg1">
-                <a:lumMod val="10000"/>
-              </a:schemeClr>
-            </a:solidFill>
-            <a:prstDash val="solid"/>
-            <a:miter lim="800000"/>
-          </a:ln>
-          <a:effectLst/>
-        </p:spPr>
-        <p:txBody>
-          <a:bodyPr rtlCol="0" anchor="ctr"/>
-          <a:lstStyle/>
-          <a:p>
-            <a:pPr marL="0" marR="0" lvl="0" indent="0" algn="ctr" defTabSz="914400" eaLnBrk="1" fontAlgn="auto" latinLnBrk="0" hangingPunct="1">
-              <a:lnSpc>
-                <a:spcPct val="100000"/>
-              </a:lnSpc>
-              <a:spcBef>
-                <a:spcPts val="0"/>
-              </a:spcBef>
-              <a:spcAft>
-                <a:spcPts val="0"/>
-              </a:spcAft>
-              <a:buClrTx/>
-              <a:buSzTx/>
-              <a:buFontTx/>
-              <a:buNone/>
-              <a:tabLst/>
-              <a:defRPr/>
-            </a:pPr>
-            <a:r>
-              <a:rPr kumimoji="0" lang="en-GB" sz="2800" b="0" i="0" u="none" strike="noStrike" kern="0" cap="none" spc="0" normalizeH="0" baseline="0" noProof="0">
-                <a:ln>
-                  <a:noFill/>
-                </a:ln>
-                <a:solidFill>
-                  <a:prstClr val="white"/>
-                </a:solidFill>
-                <a:effectLst/>
-                <a:uLnTx/>
-                <a:uFillTx/>
-                <a:latin typeface="Calibri" panose="020F0502020204030204"/>
-                <a:ea typeface="+mn-ea"/>
-                <a:cs typeface="+mn-cs"/>
-              </a:rPr>
-              <a:t>Easy to read</a:t>
-            </a:r>
-          </a:p>
-        </p:txBody>
-      </p:sp>
-      <p:sp>
-        <p:nvSpPr>
           <p:cNvPr id="20" name="Rectangle 19">
             <a:extLst>
               <a:ext uri="{FF2B5EF4-FFF2-40B4-BE49-F238E27FC236}">
@@ -25877,81 +26157,6 @@
       </p:sp>
       <p:sp>
         <p:nvSpPr>
-          <p:cNvPr id="21" name="Rectangle 20">
-            <a:extLst>
-              <a:ext uri="{FF2B5EF4-FFF2-40B4-BE49-F238E27FC236}">
-                <a16:creationId xmlns:a16="http://schemas.microsoft.com/office/drawing/2014/main" id="{5ECDA92C-CC9F-46AF-BAF3-B3A774B71503}"/>
-              </a:ext>
-            </a:extLst>
-          </p:cNvPr>
-          <p:cNvSpPr/>
-          <p:nvPr/>
-        </p:nvSpPr>
-        <p:spPr>
-          <a:xfrm>
-            <a:off x="4693826" y="4511020"/>
-            <a:ext cx="2819588" cy="1350959"/>
-          </a:xfrm>
-          <a:prstGeom prst="rect">
-            <a:avLst/>
-          </a:prstGeom>
-          <a:solidFill>
-            <a:srgbClr val="002060"/>
-          </a:solidFill>
-          <a:ln w="12700" cap="flat" cmpd="sng" algn="ctr">
-            <a:solidFill>
-              <a:schemeClr val="bg1">
-                <a:lumMod val="10000"/>
-              </a:schemeClr>
-            </a:solidFill>
-            <a:prstDash val="solid"/>
-            <a:miter lim="800000"/>
-          </a:ln>
-          <a:effectLst/>
-        </p:spPr>
-        <p:txBody>
-          <a:bodyPr rtlCol="0" anchor="ctr"/>
-          <a:lstStyle/>
-          <a:p>
-            <a:pPr marL="0" marR="0" lvl="0" indent="0" algn="ctr" defTabSz="914400" eaLnBrk="1" fontAlgn="auto" latinLnBrk="0" hangingPunct="1">
-              <a:lnSpc>
-                <a:spcPct val="100000"/>
-              </a:lnSpc>
-              <a:spcBef>
-                <a:spcPts val="0"/>
-              </a:spcBef>
-              <a:spcAft>
-                <a:spcPts val="0"/>
-              </a:spcAft>
-              <a:buClrTx/>
-              <a:buSzTx/>
-              <a:buFontTx/>
-              <a:buNone/>
-              <a:tabLst/>
-              <a:defRPr/>
-            </a:pPr>
-            <a:r>
-              <a:rPr kumimoji="0" lang="en-GB" sz="2800" b="0" i="0" u="none" strike="noStrike" kern="0" cap="none" spc="0" normalizeH="0" baseline="0" noProof="0">
-                <a:ln>
-                  <a:noFill/>
-                </a:ln>
-                <a:solidFill>
-                  <a:prstClr val="white"/>
-                </a:solidFill>
-                <a:effectLst/>
-                <a:uLnTx/>
-                <a:uFillTx/>
-                <a:latin typeface="Calibri" panose="020F0502020204030204"/>
-                <a:ea typeface="+mn-ea"/>
-                <a:cs typeface="+mn-cs"/>
-              </a:rPr>
-              <a:t>Easy to read</a:t>
-            </a:r>
-          </a:p>
-        </p:txBody>
-      </p:sp>
-      <p:sp>
-        <p:nvSpPr>
           <p:cNvPr id="22" name="Rectangle 21">
             <a:extLst>
               <a:ext uri="{FF2B5EF4-FFF2-40B4-BE49-F238E27FC236}">
@@ -26012,81 +26217,6 @@
                 <a:cs typeface="Calibri" panose="020F0502020204030204" pitchFamily="34" charset="0"/>
               </a:rPr>
               <a:t>15.27:1</a:t>
-            </a:r>
-          </a:p>
-        </p:txBody>
-      </p:sp>
-      <p:sp>
-        <p:nvSpPr>
-          <p:cNvPr id="23" name="Rectangle 22">
-            <a:extLst>
-              <a:ext uri="{FF2B5EF4-FFF2-40B4-BE49-F238E27FC236}">
-                <a16:creationId xmlns:a16="http://schemas.microsoft.com/office/drawing/2014/main" id="{98424BB2-4D0D-46B8-9AAF-0CCCA1302168}"/>
-              </a:ext>
-            </a:extLst>
-          </p:cNvPr>
-          <p:cNvSpPr/>
-          <p:nvPr/>
-        </p:nvSpPr>
-        <p:spPr>
-          <a:xfrm>
-            <a:off x="8541832" y="4513472"/>
-            <a:ext cx="2819588" cy="1350959"/>
-          </a:xfrm>
-          <a:prstGeom prst="rect">
-            <a:avLst/>
-          </a:prstGeom>
-          <a:solidFill>
-            <a:srgbClr val="ED7D31"/>
-          </a:solidFill>
-          <a:ln w="12700" cap="flat" cmpd="sng" algn="ctr">
-            <a:solidFill>
-              <a:schemeClr val="bg1">
-                <a:lumMod val="10000"/>
-              </a:schemeClr>
-            </a:solidFill>
-            <a:prstDash val="solid"/>
-            <a:miter lim="800000"/>
-          </a:ln>
-          <a:effectLst/>
-        </p:spPr>
-        <p:txBody>
-          <a:bodyPr rtlCol="0" anchor="ctr"/>
-          <a:lstStyle/>
-          <a:p>
-            <a:pPr marL="0" marR="0" lvl="0" indent="0" algn="ctr" defTabSz="914400" eaLnBrk="1" fontAlgn="auto" latinLnBrk="0" hangingPunct="1">
-              <a:lnSpc>
-                <a:spcPct val="100000"/>
-              </a:lnSpc>
-              <a:spcBef>
-                <a:spcPts val="0"/>
-              </a:spcBef>
-              <a:spcAft>
-                <a:spcPts val="0"/>
-              </a:spcAft>
-              <a:buClrTx/>
-              <a:buSzTx/>
-              <a:buFontTx/>
-              <a:buNone/>
-              <a:tabLst/>
-              <a:defRPr/>
-            </a:pPr>
-            <a:r>
-              <a:rPr kumimoji="0" lang="en-GB" sz="2800" b="0" i="0" u="none" strike="noStrike" kern="0" cap="none" spc="0" normalizeH="0" baseline="0" noProof="0">
-                <a:ln>
-                  <a:noFill/>
-                </a:ln>
-                <a:solidFill>
-                  <a:prstClr val="black"/>
-                </a:solidFill>
-                <a:effectLst/>
-                <a:uLnTx/>
-                <a:uFillTx/>
-                <a:latin typeface="Calibri" panose="020F0502020204030204"/>
-                <a:ea typeface="+mn-ea"/>
-                <a:cs typeface="+mn-cs"/>
-              </a:rPr>
-              <a:t>Easy to read</a:t>
             </a:r>
           </a:p>
         </p:txBody>
@@ -26453,7 +26583,7 @@
                                   <p:childTnLst>
                                     <p:animClr clrSpc="rgb" dir="cw">
                                       <p:cBhvr>
-                                        <p:cTn id="8" dur="2000" fill="hold"/>
+                                        <p:cTn id="8" dur="1000" fill="hold"/>
                                         <p:tgtEl>
                                           <p:spTgt spid="26"/>
                                         </p:tgtEl>
@@ -26467,7 +26597,7 @@
                                     </p:animClr>
                                     <p:set>
                                       <p:cBhvr>
-                                        <p:cTn id="9" dur="2000" fill="hold"/>
+                                        <p:cTn id="9" dur="1000" fill="hold"/>
                                         <p:tgtEl>
                                           <p:spTgt spid="26"/>
                                         </p:tgtEl>
@@ -26570,7 +26700,7 @@
                                   <p:childTnLst>
                                     <p:animClr clrSpc="rgb" dir="cw">
                                       <p:cBhvr>
-                                        <p:cTn id="18" dur="2000" fill="hold"/>
+                                        <p:cTn id="18" dur="1000" fill="hold"/>
                                         <p:tgtEl>
                                           <p:spTgt spid="27"/>
                                         </p:tgtEl>
@@ -26584,7 +26714,7 @@
                                     </p:animClr>
                                     <p:set>
                                       <p:cBhvr>
-                                        <p:cTn id="19" dur="2000" fill="hold"/>
+                                        <p:cTn id="19" dur="1000" fill="hold"/>
                                         <p:tgtEl>
                                           <p:spTgt spid="27"/>
                                         </p:tgtEl>
@@ -26687,7 +26817,7 @@
                                   <p:childTnLst>
                                     <p:animClr clrSpc="rgb" dir="cw">
                                       <p:cBhvr>
-                                        <p:cTn id="28" dur="2000" fill="hold"/>
+                                        <p:cTn id="28" dur="1000" fill="hold"/>
                                         <p:tgtEl>
                                           <p:spTgt spid="25"/>
                                         </p:tgtEl>
@@ -26701,7 +26831,7 @@
                                     </p:animClr>
                                     <p:set>
                                       <p:cBhvr>
-                                        <p:cTn id="29" dur="2000" fill="hold"/>
+                                        <p:cTn id="29" dur="1000" fill="hold"/>
                                         <p:tgtEl>
                                           <p:spTgt spid="25"/>
                                         </p:tgtEl>
@@ -29916,7 +30046,7 @@
 
 <file path=ppt/tags/tag1.xml><?xml version="1.0" encoding="utf-8"?>
 <p:tagLst xmlns:a="http://schemas.openxmlformats.org/drawingml/2006/main" xmlns:r="http://schemas.openxmlformats.org/officeDocument/2006/relationships" xmlns:p="http://schemas.openxmlformats.org/presentationml/2006/main">
-  <p:tag name="PRESGUID" val="373e4e23-f639-45ff-9cc2-3d1b401ad9f5"/>
+  <p:tag name="PRESGUID" val="7401fe1d-e7c9-46f0-aa5c-d9659e4ac7ff"/>
 </p:tagLst>
 </file>
 
@@ -30618,6 +30748,12 @@
 </file>
 
 <file path=customXml/item1.xml><?xml version="1.0" encoding="utf-8"?>
+<p:properties xmlns:p="http://schemas.microsoft.com/office/2006/metadata/properties" xmlns:xsi="http://www.w3.org/2001/XMLSchema-instance" xmlns:pc="http://schemas.microsoft.com/office/infopath/2007/PartnerControls">
+  <documentManagement/>
+</p:properties>
+</file>
+
+<file path=customXml/item2.xml><?xml version="1.0" encoding="utf-8"?>
 <?mso-contentType ?>
 <FormTemplates xmlns="http://schemas.microsoft.com/sharepoint/v3/contenttype/forms">
   <Display>DocumentLibraryForm</Display>
@@ -30626,7 +30762,7 @@
 </FormTemplates>
 </file>
 
-<file path=customXml/item2.xml><?xml version="1.0" encoding="utf-8"?>
+<file path=customXml/item3.xml><?xml version="1.0" encoding="utf-8"?>
 <ct:contentTypeSchema xmlns:ct="http://schemas.microsoft.com/office/2006/metadata/contentType" xmlns:ma="http://schemas.microsoft.com/office/2006/metadata/properties/metaAttributes" ct:_="" ma:_="" ma:contentTypeName="Document" ma:contentTypeID="0x0101003B7CC92975235841AAA2D5AB9EE0FB4F" ma:contentTypeVersion="11" ma:contentTypeDescription="Create a new document." ma:contentTypeScope="" ma:versionID="82151baacefe824223fca2e5aba66a1e">
   <xsd:schema xmlns:xsd="http://www.w3.org/2001/XMLSchema" xmlns:xs="http://www.w3.org/2001/XMLSchema" xmlns:p="http://schemas.microsoft.com/office/2006/metadata/properties" xmlns:ns2="1824a6be-da4c-47de-99ec-ebd5232030ab" xmlns:ns3="a4980879-dfff-4d72-9837-fe1cc757e8bf" targetNamespace="http://schemas.microsoft.com/office/2006/metadata/properties" ma:root="true" ma:fieldsID="a37526fd1b52cfbe058dfea4ad6e0c58" ns2:_="" ns3:_="">
     <xsd:import namespace="1824a6be-da4c-47de-99ec-ebd5232030ab"/>
@@ -30837,13 +30973,24 @@
 </ct:contentTypeSchema>
 </file>
 
-<file path=customXml/item3.xml><?xml version="1.0" encoding="utf-8"?>
-<p:properties xmlns:p="http://schemas.microsoft.com/office/2006/metadata/properties" xmlns:xsi="http://www.w3.org/2001/XMLSchema-instance" xmlns:pc="http://schemas.microsoft.com/office/infopath/2007/PartnerControls">
-  <documentManagement/>
-</p:properties>
+<file path=customXml/itemProps1.xml><?xml version="1.0" encoding="utf-8"?>
+<ds:datastoreItem xmlns:ds="http://schemas.openxmlformats.org/officeDocument/2006/customXml" ds:itemID="{135905B0-825A-40CE-8CFE-F761F2B4E98B}">
+  <ds:schemaRefs>
+    <ds:schemaRef ds:uri="1824a6be-da4c-47de-99ec-ebd5232030ab"/>
+    <ds:schemaRef ds:uri="http://purl.org/dc/terms/"/>
+    <ds:schemaRef ds:uri="http://www.w3.org/XML/1998/namespace"/>
+    <ds:schemaRef ds:uri="http://schemas.microsoft.com/office/infopath/2007/PartnerControls"/>
+    <ds:schemaRef ds:uri="a4980879-dfff-4d72-9837-fe1cc757e8bf"/>
+    <ds:schemaRef ds:uri="http://purl.org/dc/elements/1.1/"/>
+    <ds:schemaRef ds:uri="http://purl.org/dc/dcmitype/"/>
+    <ds:schemaRef ds:uri="http://schemas.microsoft.com/office/2006/documentManagement/types"/>
+    <ds:schemaRef ds:uri="http://schemas.openxmlformats.org/package/2006/metadata/core-properties"/>
+    <ds:schemaRef ds:uri="http://schemas.microsoft.com/office/2006/metadata/properties"/>
+  </ds:schemaRefs>
+</ds:datastoreItem>
 </file>
 
-<file path=customXml/itemProps1.xml><?xml version="1.0" encoding="utf-8"?>
+<file path=customXml/itemProps2.xml><?xml version="1.0" encoding="utf-8"?>
 <ds:datastoreItem xmlns:ds="http://schemas.openxmlformats.org/officeDocument/2006/customXml" ds:itemID="{E253B83F-B809-4031-B519-361416E897AD}">
   <ds:schemaRefs>
     <ds:schemaRef ds:uri="http://schemas.microsoft.com/sharepoint/v3/contenttype/forms"/>
@@ -30851,7 +30998,7 @@
 </ds:datastoreItem>
 </file>
 
-<file path=customXml/itemProps2.xml><?xml version="1.0" encoding="utf-8"?>
+<file path=customXml/itemProps3.xml><?xml version="1.0" encoding="utf-8"?>
 <ds:datastoreItem xmlns:ds="http://schemas.openxmlformats.org/officeDocument/2006/customXml" ds:itemID="{C0145659-7D8C-4258-B379-0DD67A6114B3}">
   <ds:schemaRefs>
     <ds:schemaRef ds:uri="1824a6be-da4c-47de-99ec-ebd5232030ab"/>
@@ -30869,21 +31016,4 @@
     <ds:schemaRef ds:uri="http://www.w3.org/2001/XMLSchema"/>
   </ds:schemaRefs>
 </ds:datastoreItem>
-</file>
-
-<file path=customXml/itemProps3.xml><?xml version="1.0" encoding="utf-8"?>
-<ds:datastoreItem xmlns:ds="http://schemas.openxmlformats.org/officeDocument/2006/customXml" ds:itemID="{135905B0-825A-40CE-8CFE-F761F2B4E98B}">
-  <ds:schemaRefs>
-    <ds:schemaRef ds:uri="1824a6be-da4c-47de-99ec-ebd5232030ab"/>
-    <ds:schemaRef ds:uri="http://purl.org/dc/terms/"/>
-    <ds:schemaRef ds:uri="http://www.w3.org/XML/1998/namespace"/>
-    <ds:schemaRef ds:uri="http://schemas.microsoft.com/office/infopath/2007/PartnerControls"/>
-    <ds:schemaRef ds:uri="a4980879-dfff-4d72-9837-fe1cc757e8bf"/>
-    <ds:schemaRef ds:uri="http://purl.org/dc/elements/1.1/"/>
-    <ds:schemaRef ds:uri="http://purl.org/dc/dcmitype/"/>
-    <ds:schemaRef ds:uri="http://schemas.microsoft.com/office/2006/documentManagement/types"/>
-    <ds:schemaRef ds:uri="http://schemas.openxmlformats.org/package/2006/metadata/core-properties"/>
-    <ds:schemaRef ds:uri="http://schemas.microsoft.com/office/2006/metadata/properties"/>
-  </ds:schemaRefs>
-</ds:datastoreItem>
 </file>
--- a/M_Deeprose-Two_Steps_Accessibilty--UCISA-UX.pptx
+++ b/M_Deeprose-Two_Steps_Accessibilty--UCISA-UX.pptx
@@ -184,8 +184,7 @@
 <file path=ppt/revisionInfo.xml><?xml version="1.0" encoding="utf-8"?>
 <p1510:revInfo xmlns:a="http://schemas.openxmlformats.org/drawingml/2006/main" xmlns:r="http://schemas.openxmlformats.org/officeDocument/2006/relationships" xmlns:p1510="http://schemas.microsoft.com/office/powerpoint/2015/10/main">
   <p1510:revLst>
-    <p1510:client id="{01FEF771-BD5E-4E30-AA53-1FCC2F356C38}" v="168" dt="2022-06-27T14:46:49.688"/>
-    <p1510:client id="{9B4B86D7-D29A-4362-BBB9-7968C7FC8847}" v="171" dt="2022-06-26T17:48:34.816"/>
+    <p1510:client id="{01FEF771-BD5E-4E30-AA53-1FCC2F356C38}" v="245" dt="2022-06-28T13:47:29.908"/>
   </p1510:revLst>
 </p1510:revInfo>
 </file>
@@ -195,12 +194,130 @@
   <pc:docChgLst>
     <pc:chgData name="Matthew Deeprose" userId="4b9f57a1-f6a7-4947-aa46-f230d0a71242" providerId="ADAL" clId="{01FEF771-BD5E-4E30-AA53-1FCC2F356C38}"/>
     <pc:docChg chg="undo custSel modSld">
-      <pc:chgData name="Matthew Deeprose" userId="4b9f57a1-f6a7-4947-aa46-f230d0a71242" providerId="ADAL" clId="{01FEF771-BD5E-4E30-AA53-1FCC2F356C38}" dt="2022-06-27T14:46:40.512" v="242" actId="208"/>
+      <pc:chgData name="Matthew Deeprose" userId="4b9f57a1-f6a7-4947-aa46-f230d0a71242" providerId="ADAL" clId="{01FEF771-BD5E-4E30-AA53-1FCC2F356C38}" dt="2022-06-28T13:47:25.346" v="828" actId="207"/>
       <pc:docMkLst>
         <pc:docMk/>
       </pc:docMkLst>
-      <pc:sldChg chg="modSp">
-        <pc:chgData name="Matthew Deeprose" userId="4b9f57a1-f6a7-4947-aa46-f230d0a71242" providerId="ADAL" clId="{01FEF771-BD5E-4E30-AA53-1FCC2F356C38}" dt="2022-06-27T14:46:40.512" v="242" actId="208"/>
+      <pc:sldChg chg="modSp modNotesTx">
+        <pc:chgData name="Matthew Deeprose" userId="4b9f57a1-f6a7-4947-aa46-f230d0a71242" providerId="ADAL" clId="{01FEF771-BD5E-4E30-AA53-1FCC2F356C38}" dt="2022-06-28T13:11:27.842" v="511" actId="207"/>
+        <pc:sldMkLst>
+          <pc:docMk/>
+          <pc:sldMk cId="4013253806" sldId="958"/>
+        </pc:sldMkLst>
+        <pc:spChg chg="mod">
+          <ac:chgData name="Matthew Deeprose" userId="4b9f57a1-f6a7-4947-aa46-f230d0a71242" providerId="ADAL" clId="{01FEF771-BD5E-4E30-AA53-1FCC2F356C38}" dt="2022-06-28T13:11:16.965" v="508" actId="207"/>
+          <ac:spMkLst>
+            <pc:docMk/>
+            <pc:sldMk cId="4013253806" sldId="958"/>
+            <ac:spMk id="6" creationId="{F2535940-3E64-4D64-9C4F-DE965F3635EE}"/>
+          </ac:spMkLst>
+        </pc:spChg>
+        <pc:spChg chg="mod">
+          <ac:chgData name="Matthew Deeprose" userId="4b9f57a1-f6a7-4947-aa46-f230d0a71242" providerId="ADAL" clId="{01FEF771-BD5E-4E30-AA53-1FCC2F356C38}" dt="2022-06-28T13:11:21.291" v="509" actId="207"/>
+          <ac:spMkLst>
+            <pc:docMk/>
+            <pc:sldMk cId="4013253806" sldId="958"/>
+            <ac:spMk id="10" creationId="{6F9AC2F8-9137-4F44-9E48-B205BC4C295B}"/>
+          </ac:spMkLst>
+        </pc:spChg>
+        <pc:spChg chg="mod">
+          <ac:chgData name="Matthew Deeprose" userId="4b9f57a1-f6a7-4947-aa46-f230d0a71242" providerId="ADAL" clId="{01FEF771-BD5E-4E30-AA53-1FCC2F356C38}" dt="2022-06-28T13:11:01.891" v="507" actId="207"/>
+          <ac:spMkLst>
+            <pc:docMk/>
+            <pc:sldMk cId="4013253806" sldId="958"/>
+            <ac:spMk id="11" creationId="{02FDFA6E-E0AC-46D7-8FB2-8370B593567F}"/>
+          </ac:spMkLst>
+        </pc:spChg>
+        <pc:spChg chg="mod">
+          <ac:chgData name="Matthew Deeprose" userId="4b9f57a1-f6a7-4947-aa46-f230d0a71242" providerId="ADAL" clId="{01FEF771-BD5E-4E30-AA53-1FCC2F356C38}" dt="2022-06-28T13:11:24.363" v="510" actId="207"/>
+          <ac:spMkLst>
+            <pc:docMk/>
+            <pc:sldMk cId="4013253806" sldId="958"/>
+            <ac:spMk id="12" creationId="{DC6D95D3-AF9B-4086-B2A9-307C5859B9C6}"/>
+          </ac:spMkLst>
+        </pc:spChg>
+        <pc:spChg chg="mod">
+          <ac:chgData name="Matthew Deeprose" userId="4b9f57a1-f6a7-4947-aa46-f230d0a71242" providerId="ADAL" clId="{01FEF771-BD5E-4E30-AA53-1FCC2F356C38}" dt="2022-06-28T13:11:01.891" v="507" actId="207"/>
+          <ac:spMkLst>
+            <pc:docMk/>
+            <pc:sldMk cId="4013253806" sldId="958"/>
+            <ac:spMk id="13" creationId="{3D4ECA0B-DD06-4DA3-B51C-A5DB2902EEB4}"/>
+          </ac:spMkLst>
+        </pc:spChg>
+        <pc:spChg chg="mod">
+          <ac:chgData name="Matthew Deeprose" userId="4b9f57a1-f6a7-4947-aa46-f230d0a71242" providerId="ADAL" clId="{01FEF771-BD5E-4E30-AA53-1FCC2F356C38}" dt="2022-06-28T13:11:27.842" v="511" actId="207"/>
+          <ac:spMkLst>
+            <pc:docMk/>
+            <pc:sldMk cId="4013253806" sldId="958"/>
+            <ac:spMk id="14" creationId="{0210069B-18F9-4E7B-A22A-2AA92AF8EF26}"/>
+          </ac:spMkLst>
+        </pc:spChg>
+        <pc:spChg chg="mod">
+          <ac:chgData name="Matthew Deeprose" userId="4b9f57a1-f6a7-4947-aa46-f230d0a71242" providerId="ADAL" clId="{01FEF771-BD5E-4E30-AA53-1FCC2F356C38}" dt="2022-06-28T13:11:01.891" v="507" actId="207"/>
+          <ac:spMkLst>
+            <pc:docMk/>
+            <pc:sldMk cId="4013253806" sldId="958"/>
+            <ac:spMk id="16" creationId="{21681BB8-03F3-45A3-97DF-1069C88454D2}"/>
+          </ac:spMkLst>
+        </pc:spChg>
+        <pc:spChg chg="mod">
+          <ac:chgData name="Matthew Deeprose" userId="4b9f57a1-f6a7-4947-aa46-f230d0a71242" providerId="ADAL" clId="{01FEF771-BD5E-4E30-AA53-1FCC2F356C38}" dt="2022-06-28T13:11:01.891" v="507" actId="207"/>
+          <ac:spMkLst>
+            <pc:docMk/>
+            <pc:sldMk cId="4013253806" sldId="958"/>
+            <ac:spMk id="19" creationId="{35319FA5-3FA9-40F6-AB41-F1BFA62F6967}"/>
+          </ac:spMkLst>
+        </pc:spChg>
+        <pc:spChg chg="mod">
+          <ac:chgData name="Matthew Deeprose" userId="4b9f57a1-f6a7-4947-aa46-f230d0a71242" providerId="ADAL" clId="{01FEF771-BD5E-4E30-AA53-1FCC2F356C38}" dt="2022-06-28T13:11:01.891" v="507" actId="207"/>
+          <ac:spMkLst>
+            <pc:docMk/>
+            <pc:sldMk cId="4013253806" sldId="958"/>
+            <ac:spMk id="20" creationId="{899CECB4-6A68-47EB-9501-EB824A679E2F}"/>
+          </ac:spMkLst>
+        </pc:spChg>
+        <pc:spChg chg="mod">
+          <ac:chgData name="Matthew Deeprose" userId="4b9f57a1-f6a7-4947-aa46-f230d0a71242" providerId="ADAL" clId="{01FEF771-BD5E-4E30-AA53-1FCC2F356C38}" dt="2022-06-28T13:11:16.965" v="508" actId="207"/>
+          <ac:spMkLst>
+            <pc:docMk/>
+            <pc:sldMk cId="4013253806" sldId="958"/>
+            <ac:spMk id="22" creationId="{69D166FB-1478-4460-8D82-1ABFFF343EC5}"/>
+          </ac:spMkLst>
+        </pc:spChg>
+        <pc:spChg chg="mod">
+          <ac:chgData name="Matthew Deeprose" userId="4b9f57a1-f6a7-4947-aa46-f230d0a71242" providerId="ADAL" clId="{01FEF771-BD5E-4E30-AA53-1FCC2F356C38}" dt="2022-06-28T13:11:16.965" v="508" actId="207"/>
+          <ac:spMkLst>
+            <pc:docMk/>
+            <pc:sldMk cId="4013253806" sldId="958"/>
+            <ac:spMk id="24" creationId="{CCB6990C-EE6F-4ECC-92C4-192645C15B4C}"/>
+          </ac:spMkLst>
+        </pc:spChg>
+      </pc:sldChg>
+      <pc:sldChg chg="modSp mod">
+        <pc:chgData name="Matthew Deeprose" userId="4b9f57a1-f6a7-4947-aa46-f230d0a71242" providerId="ADAL" clId="{01FEF771-BD5E-4E30-AA53-1FCC2F356C38}" dt="2022-06-28T13:47:25.346" v="828" actId="207"/>
+        <pc:sldMkLst>
+          <pc:docMk/>
+          <pc:sldMk cId="1774731119" sldId="1611"/>
+        </pc:sldMkLst>
+        <pc:spChg chg="mod">
+          <ac:chgData name="Matthew Deeprose" userId="4b9f57a1-f6a7-4947-aa46-f230d0a71242" providerId="ADAL" clId="{01FEF771-BD5E-4E30-AA53-1FCC2F356C38}" dt="2022-06-28T13:47:22.865" v="827" actId="207"/>
+          <ac:spMkLst>
+            <pc:docMk/>
+            <pc:sldMk cId="1774731119" sldId="1611"/>
+            <ac:spMk id="3" creationId="{8945FCF5-0666-4C2B-9B2B-AF24FF1817B5}"/>
+          </ac:spMkLst>
+        </pc:spChg>
+        <pc:spChg chg="mod">
+          <ac:chgData name="Matthew Deeprose" userId="4b9f57a1-f6a7-4947-aa46-f230d0a71242" providerId="ADAL" clId="{01FEF771-BD5E-4E30-AA53-1FCC2F356C38}" dt="2022-06-28T13:47:25.346" v="828" actId="207"/>
+          <ac:spMkLst>
+            <pc:docMk/>
+            <pc:sldMk cId="1774731119" sldId="1611"/>
+            <ac:spMk id="4" creationId="{B4277841-66F9-457F-A6CD-785EE5E8B505}"/>
+          </ac:spMkLst>
+        </pc:spChg>
+      </pc:sldChg>
+      <pc:sldChg chg="modSp modNotesTx">
+        <pc:chgData name="Matthew Deeprose" userId="4b9f57a1-f6a7-4947-aa46-f230d0a71242" providerId="ADAL" clId="{01FEF771-BD5E-4E30-AA53-1FCC2F356C38}" dt="2022-06-28T12:57:50.498" v="298" actId="5793"/>
         <pc:sldMkLst>
           <pc:docMk/>
           <pc:sldMk cId="3113719598" sldId="1614"/>
@@ -214,8 +331,8 @@
           </ac:graphicFrameMkLst>
         </pc:graphicFrameChg>
       </pc:sldChg>
-      <pc:sldChg chg="addSp delSp modSp mod modAnim">
-        <pc:chgData name="Matthew Deeprose" userId="4b9f57a1-f6a7-4947-aa46-f230d0a71242" providerId="ADAL" clId="{01FEF771-BD5E-4E30-AA53-1FCC2F356C38}" dt="2022-06-27T13:49:36.495" v="241" actId="13244"/>
+      <pc:sldChg chg="addSp delSp modSp mod modAnim modNotesTx">
+        <pc:chgData name="Matthew Deeprose" userId="4b9f57a1-f6a7-4947-aa46-f230d0a71242" providerId="ADAL" clId="{01FEF771-BD5E-4E30-AA53-1FCC2F356C38}" dt="2022-06-28T12:57:10.357" v="257" actId="20577"/>
         <pc:sldMkLst>
           <pc:docMk/>
           <pc:sldMk cId="98209177" sldId="1615"/>
@@ -355,6 +472,65 @@
             <ac:picMk id="13" creationId="{3030130C-1207-425C-A590-15C10DD82976}"/>
           </ac:picMkLst>
         </pc:picChg>
+      </pc:sldChg>
+      <pc:sldChg chg="addSp delSp mod">
+        <pc:chgData name="Matthew Deeprose" userId="4b9f57a1-f6a7-4947-aa46-f230d0a71242" providerId="ADAL" clId="{01FEF771-BD5E-4E30-AA53-1FCC2F356C38}" dt="2022-06-28T13:22:17.351" v="821" actId="22"/>
+        <pc:sldMkLst>
+          <pc:docMk/>
+          <pc:sldMk cId="574812838" sldId="1622"/>
+        </pc:sldMkLst>
+        <pc:picChg chg="add del">
+          <ac:chgData name="Matthew Deeprose" userId="4b9f57a1-f6a7-4947-aa46-f230d0a71242" providerId="ADAL" clId="{01FEF771-BD5E-4E30-AA53-1FCC2F356C38}" dt="2022-06-28T13:22:17.351" v="821" actId="22"/>
+          <ac:picMkLst>
+            <pc:docMk/>
+            <pc:sldMk cId="574812838" sldId="1622"/>
+            <ac:picMk id="3" creationId="{739249A1-1E60-4201-B4AE-0EB8415B1585}"/>
+          </ac:picMkLst>
+        </pc:picChg>
+      </pc:sldChg>
+      <pc:sldChg chg="modNotesTx">
+        <pc:chgData name="Matthew Deeprose" userId="4b9f57a1-f6a7-4947-aa46-f230d0a71242" providerId="ADAL" clId="{01FEF771-BD5E-4E30-AA53-1FCC2F356C38}" dt="2022-06-28T13:02:16.480" v="506" actId="20577"/>
+        <pc:sldMkLst>
+          <pc:docMk/>
+          <pc:sldMk cId="2822754375" sldId="1624"/>
+        </pc:sldMkLst>
+      </pc:sldChg>
+      <pc:sldChg chg="modNotesTx">
+        <pc:chgData name="Matthew Deeprose" userId="4b9f57a1-f6a7-4947-aa46-f230d0a71242" providerId="ADAL" clId="{01FEF771-BD5E-4E30-AA53-1FCC2F356C38}" dt="2022-06-28T13:28:12.638" v="824" actId="20577"/>
+        <pc:sldMkLst>
+          <pc:docMk/>
+          <pc:sldMk cId="3683879910" sldId="1626"/>
+        </pc:sldMkLst>
+      </pc:sldChg>
+      <pc:sldChg chg="delSp mod">
+        <pc:chgData name="Matthew Deeprose" userId="4b9f57a1-f6a7-4947-aa46-f230d0a71242" providerId="ADAL" clId="{01FEF771-BD5E-4E30-AA53-1FCC2F356C38}" dt="2022-06-28T13:47:14.969" v="826" actId="478"/>
+        <pc:sldMkLst>
+          <pc:docMk/>
+          <pc:sldMk cId="505546432" sldId="1628"/>
+        </pc:sldMkLst>
+        <pc:spChg chg="del">
+          <ac:chgData name="Matthew Deeprose" userId="4b9f57a1-f6a7-4947-aa46-f230d0a71242" providerId="ADAL" clId="{01FEF771-BD5E-4E30-AA53-1FCC2F356C38}" dt="2022-06-28T13:47:14.969" v="826" actId="478"/>
+          <ac:spMkLst>
+            <pc:docMk/>
+            <pc:sldMk cId="505546432" sldId="1628"/>
+            <ac:spMk id="2" creationId="{CC1F90A8-D5CB-4428-90A1-807D61CC684D}"/>
+          </ac:spMkLst>
+        </pc:spChg>
+        <pc:spChg chg="del">
+          <ac:chgData name="Matthew Deeprose" userId="4b9f57a1-f6a7-4947-aa46-f230d0a71242" providerId="ADAL" clId="{01FEF771-BD5E-4E30-AA53-1FCC2F356C38}" dt="2022-06-28T13:47:11.621" v="825" actId="478"/>
+          <ac:spMkLst>
+            <pc:docMk/>
+            <pc:sldMk cId="505546432" sldId="1628"/>
+            <ac:spMk id="3" creationId="{3BD9D661-D95D-4BE9-91DB-7ADC54F249C1}"/>
+          </ac:spMkLst>
+        </pc:spChg>
+      </pc:sldChg>
+      <pc:sldChg chg="modNotesTx">
+        <pc:chgData name="Matthew Deeprose" userId="4b9f57a1-f6a7-4947-aa46-f230d0a71242" providerId="ADAL" clId="{01FEF771-BD5E-4E30-AA53-1FCC2F356C38}" dt="2022-06-28T13:15:21.790" v="819" actId="20577"/>
+        <pc:sldMkLst>
+          <pc:docMk/>
+          <pc:sldMk cId="806512924" sldId="1630"/>
+        </pc:sldMkLst>
       </pc:sldChg>
     </pc:docChg>
   </pc:docChgLst>
@@ -5054,7 +5230,7 @@
           <a:p>
             <a:fld id="{76346772-8157-4936-80A3-06A6CAC87DD2}" type="datetimeFigureOut">
               <a:rPr lang="en-GB" smtClean="0"/>
-              <a:t>27/06/2022</a:t>
+              <a:t>28/06/2022</a:t>
             </a:fld>
             <a:endParaRPr lang="en-GB"/>
           </a:p>
@@ -5767,7 +5943,7 @@
           <a:p>
             <a:r>
               <a:rPr lang="en-GB" dirty="0"/>
-              <a:t>But only 7 colours in our brand have sufficient contrast with white, and two are different shades of black!</a:t>
+              <a:t>Only 7 colours in our brand have sufficient contrast with white, and two are different shades of black!</a:t>
             </a:r>
           </a:p>
           <a:p>
@@ -6613,6 +6789,15 @@
               <a:t>But there’s some friction. You have to follow three steps to turn it on. File &gt; Options &gt; Ease of Access -&gt; Keep accessibility checker running while I work.</a:t>
             </a:r>
           </a:p>
+          <a:p>
+            <a:endParaRPr lang="en-GB" dirty="0"/>
+          </a:p>
+          <a:p>
+            <a:r>
+              <a:rPr lang="en-GB" dirty="0"/>
+              <a:t>Often see when people share their screens during meeting that they do not have this setting turned on. Even people giving presentations about equality, diversity and inclusion.</a:t>
+            </a:r>
+          </a:p>
         </p:txBody>
       </p:sp>
       <p:sp>
@@ -6981,7 +7166,7 @@
           <a:p>
             <a:r>
               <a:rPr lang="en-GB" dirty="0"/>
-              <a:t>If you’re interested in other blog posts, presentations, and accessibility projects I’ve shared take a look at my website.</a:t>
+              <a:t>If you’re interested in other blog posts, presentations, and accessibility projects I’ve shared take a look at my website. Recently I’ve covered writing alternative text for charts and graphs, how to implement accessibility within a Higher Education IT department, creating accessible PowerBI reports, and aspects of web development like ARIA roles, light and dark modes and so on.</a:t>
             </a:r>
           </a:p>
           <a:p>
@@ -6991,7 +7176,10 @@
             </a:r>
           </a:p>
           <a:p>
-            <a:endParaRPr lang="en-GB" dirty="0"/>
+            <a:r>
+              <a:rPr lang="en-GB" dirty="0"/>
+              <a:t>https://matthewdeeprose.github.io/two-steps.html</a:t>
+            </a:r>
           </a:p>
         </p:txBody>
       </p:sp>
@@ -7251,7 +7439,7 @@
           <a:p>
             <a:r>
               <a:rPr lang="en-GB" dirty="0"/>
-              <a:t>I’m assuming most of you will know about all about colour contrast and accessibility..</a:t>
+              <a:t>I’m assuming most of you will know about all about colour contrast and accessibility, but just in case…</a:t>
             </a:r>
           </a:p>
           <a:p>
@@ -7268,12 +7456,8 @@
           </a:p>
           <a:p>
             <a:r>
-              <a:rPr lang="en-GB"/>
-              <a:t>was </a:t>
-            </a:r>
-            <a:r>
               <a:rPr lang="en-GB" dirty="0"/>
-              <a:t>low contrast text. What do we mean by that?</a:t>
+              <a:t>was low contrast text. What do we mean by that?</a:t>
             </a:r>
           </a:p>
           <a:p>
@@ -7420,15 +7604,7 @@
           <a:p>
             <a:r>
               <a:rPr lang="en-GB" dirty="0"/>
-              <a:t>I’ve revealed the contrast ratios for these boxes. The top row are all low numbers below </a:t>
-            </a:r>
-            <a:r>
-              <a:rPr lang="en-GB"/>
-              <a:t>2:1 those </a:t>
-            </a:r>
-            <a:r>
-              <a:rPr lang="en-GB" dirty="0"/>
-              <a:t>would all fail. The bottom row are all high numbers, all are over 7:1 and would pass because they go beyond the minimum level of contrast.</a:t>
+              <a:t>I’ve revealed the contrast ratios for these boxes. The top row are all low numbers below 2:1 those would all fail. The bottom row are all high numbers, all are over 7:1 and would pass because they go beyond the minimum level of contrast.</a:t>
             </a:r>
           </a:p>
           <a:p>
@@ -7436,6 +7612,48 @@
               <a:rPr lang="en-GB" dirty="0"/>
               <a:t>The middle row are all 4 to one or lower. Those would all FAIL the minimum contrast ratio for the presentation of text.</a:t>
             </a:r>
+          </a:p>
+          <a:p>
+            <a:endParaRPr lang="en-GB" dirty="0"/>
+          </a:p>
+          <a:p>
+            <a:endParaRPr lang="en-GB" dirty="0"/>
+          </a:p>
+          <a:p>
+            <a:endParaRPr lang="en-GB" dirty="0"/>
+          </a:p>
+          <a:p>
+            <a:endParaRPr lang="en-GB" dirty="0"/>
+          </a:p>
+          <a:p>
+            <a:endParaRPr lang="en-GB" dirty="0"/>
+          </a:p>
+          <a:p>
+            <a:endParaRPr lang="en-GB" dirty="0"/>
+          </a:p>
+          <a:p>
+            <a:endParaRPr lang="en-GB" dirty="0"/>
+          </a:p>
+          <a:p>
+            <a:endParaRPr lang="en-GB" dirty="0"/>
+          </a:p>
+          <a:p>
+            <a:endParaRPr lang="en-GB" dirty="0"/>
+          </a:p>
+          <a:p>
+            <a:endParaRPr lang="en-GB" dirty="0"/>
+          </a:p>
+          <a:p>
+            <a:endParaRPr lang="en-GB" dirty="0"/>
+          </a:p>
+          <a:p>
+            <a:endParaRPr lang="en-GB" dirty="0"/>
+          </a:p>
+          <a:p>
+            <a:endParaRPr lang="en-GB" dirty="0"/>
+          </a:p>
+          <a:p>
+            <a:endParaRPr lang="en-GB" dirty="0"/>
           </a:p>
         </p:txBody>
       </p:sp>
@@ -7556,6 +7774,39 @@
               <a:rPr lang="en-GB" dirty="0"/>
               <a:t>For someone new to accessibility, this can seem a bit intimidating, if someone just wants to use our brand colour palette, how can they make accessible choices easily?</a:t>
             </a:r>
+          </a:p>
+          <a:p>
+            <a:endParaRPr lang="en-GB" dirty="0"/>
+          </a:p>
+          <a:p>
+            <a:endParaRPr lang="en-GB" dirty="0"/>
+          </a:p>
+          <a:p>
+            <a:endParaRPr lang="en-GB" dirty="0"/>
+          </a:p>
+          <a:p>
+            <a:endParaRPr lang="en-GB" dirty="0"/>
+          </a:p>
+          <a:p>
+            <a:endParaRPr lang="en-GB" dirty="0"/>
+          </a:p>
+          <a:p>
+            <a:endParaRPr lang="en-GB" dirty="0"/>
+          </a:p>
+          <a:p>
+            <a:endParaRPr lang="en-GB" dirty="0"/>
+          </a:p>
+          <a:p>
+            <a:endParaRPr lang="en-GB" dirty="0"/>
+          </a:p>
+          <a:p>
+            <a:endParaRPr lang="en-GB" dirty="0"/>
+          </a:p>
+          <a:p>
+            <a:endParaRPr lang="en-GB" dirty="0"/>
+          </a:p>
+          <a:p>
+            <a:endParaRPr lang="en-GB" dirty="0"/>
           </a:p>
         </p:txBody>
       </p:sp>
@@ -17602,64 +17853,6 @@
               <a:rPr lang="en-GB" dirty="0"/>
               <a:t>University of Southampton</a:t>
             </a:r>
-          </a:p>
-        </p:txBody>
-      </p:sp>
-      <p:sp>
-        <p:nvSpPr>
-          <p:cNvPr id="2" name="Footer Placeholder 1">
-            <a:extLst>
-              <a:ext uri="{FF2B5EF4-FFF2-40B4-BE49-F238E27FC236}">
-                <a16:creationId xmlns:a16="http://schemas.microsoft.com/office/drawing/2014/main" id="{CC1F90A8-D5CB-4428-90A1-807D61CC684D}"/>
-              </a:ext>
-            </a:extLst>
-          </p:cNvPr>
-          <p:cNvSpPr>
-            <a:spLocks noGrp="1"/>
-          </p:cNvSpPr>
-          <p:nvPr>
-            <p:ph type="ftr" sz="quarter" idx="3"/>
-          </p:nvPr>
-        </p:nvSpPr>
-        <p:spPr/>
-        <p:txBody>
-          <a:bodyPr/>
-          <a:lstStyle/>
-          <a:p>
-            <a:r>
-              <a:rPr lang="en-GB"/>
-              <a:t>Matthew Deeprose</a:t>
-            </a:r>
-            <a:endParaRPr lang="en-GB" dirty="0"/>
-          </a:p>
-        </p:txBody>
-      </p:sp>
-      <p:sp>
-        <p:nvSpPr>
-          <p:cNvPr id="3" name="Slide Number Placeholder 2">
-            <a:extLst>
-              <a:ext uri="{FF2B5EF4-FFF2-40B4-BE49-F238E27FC236}">
-                <a16:creationId xmlns:a16="http://schemas.microsoft.com/office/drawing/2014/main" id="{3BD9D661-D95D-4BE9-91DB-7ADC54F249C1}"/>
-              </a:ext>
-            </a:extLst>
-          </p:cNvPr>
-          <p:cNvSpPr>
-            <a:spLocks noGrp="1"/>
-          </p:cNvSpPr>
-          <p:nvPr>
-            <p:ph type="sldNum" sz="quarter" idx="4"/>
-          </p:nvPr>
-        </p:nvSpPr>
-        <p:spPr/>
-        <p:txBody>
-          <a:bodyPr/>
-          <a:lstStyle/>
-          <a:p>
-            <a:fld id="{51AC9CB8-E4A1-4C80-A0FE-41AB03406E23}" type="slidenum">
-              <a:rPr lang="en-GB" smtClean="0"/>
-              <a:t>1</a:t>
-            </a:fld>
-            <a:endParaRPr lang="en-GB"/>
           </a:p>
         </p:txBody>
       </p:sp>
@@ -24464,10 +24657,13 @@
           <a:lstStyle/>
           <a:p>
             <a:r>
-              <a:rPr lang="en-GB"/>
+              <a:rPr lang="en-GB" dirty="0">
+                <a:solidFill>
+                  <a:schemeClr val="bg2"/>
+                </a:solidFill>
+              </a:rPr>
               <a:t>Matthew Deeprose</a:t>
             </a:r>
-            <a:endParaRPr lang="en-GB" dirty="0"/>
           </a:p>
         </p:txBody>
       </p:sp>
@@ -24493,10 +24689,18 @@
           <a:lstStyle/>
           <a:p>
             <a:fld id="{51AC9CB8-E4A1-4C80-A0FE-41AB03406E23}" type="slidenum">
-              <a:rPr lang="en-GB" smtClean="0"/>
+              <a:rPr lang="en-GB" smtClean="0">
+                <a:solidFill>
+                  <a:schemeClr val="bg2"/>
+                </a:solidFill>
+              </a:rPr>
               <a:t>4</a:t>
             </a:fld>
-            <a:endParaRPr lang="en-GB"/>
+            <a:endParaRPr lang="en-GB" dirty="0">
+              <a:solidFill>
+                <a:schemeClr val="bg2"/>
+              </a:solidFill>
+            </a:endParaRPr>
           </a:p>
         </p:txBody>
       </p:sp>
@@ -27502,7 +27706,7 @@
             <a:r>
               <a:rPr lang="en-GB" sz="5800" kern="1200" dirty="0">
                 <a:solidFill>
-                  <a:schemeClr val="accent5"/>
+                  <a:schemeClr val="bg2"/>
                 </a:solidFill>
               </a:rPr>
               <a:t>3:1</a:t>
@@ -27695,7 +27899,7 @@
             <a:r>
               <a:rPr lang="en-GB" sz="5800" kern="1200" dirty="0">
                 <a:solidFill>
-                  <a:schemeClr val="accent5"/>
+                  <a:schemeClr val="bg2"/>
                 </a:solidFill>
               </a:rPr>
               <a:t>4.5:1</a:t>
@@ -27888,7 +28092,7 @@
             <a:r>
               <a:rPr lang="en-GB" sz="5800" kern="1200">
                 <a:solidFill>
-                  <a:schemeClr val="accent5"/>
+                  <a:schemeClr val="bg2"/>
                 </a:solidFill>
               </a:rPr>
               <a:t>7:1</a:t>
@@ -27990,7 +28194,7 @@
             <a:r>
               <a:rPr lang="en-GB" dirty="0">
                 <a:solidFill>
-                  <a:schemeClr val="accent5"/>
+                  <a:schemeClr val="bg2"/>
                 </a:solidFill>
               </a:rPr>
               <a:t>for Graphical Objects / UI</a:t>
@@ -28088,7 +28292,7 @@
             <a:r>
               <a:rPr lang="en-GB" dirty="0">
                 <a:solidFill>
-                  <a:schemeClr val="accent5"/>
+                  <a:schemeClr val="bg2"/>
                 </a:solidFill>
               </a:rPr>
               <a:t>for Text</a:t>
@@ -28172,7 +28376,7 @@
           <a:lstStyle/>
           <a:p>
             <a:r>
-              <a:rPr lang="en-GB">
+              <a:rPr lang="en-GB" dirty="0">
                 <a:solidFill>
                   <a:schemeClr val="accent1"/>
                 </a:solidFill>
@@ -28180,13 +28384,13 @@
               <a:t>Enhanced</a:t>
             </a:r>
             <a:r>
-              <a:rPr lang="en-GB"/>
+              <a:rPr lang="en-GB" dirty="0"/>
               <a:t> </a:t>
             </a:r>
             <a:r>
-              <a:rPr lang="en-GB">
+              <a:rPr lang="en-GB" dirty="0">
                 <a:solidFill>
-                  <a:schemeClr val="accent5"/>
+                  <a:schemeClr val="bg2"/>
                 </a:solidFill>
               </a:rPr>
               <a:t>level for Text</a:t>
@@ -28335,7 +28539,7 @@
             <a:r>
               <a:rPr lang="en-GB" sz="1400" dirty="0">
                 <a:solidFill>
-                  <a:schemeClr val="accent5"/>
+                  <a:schemeClr val="bg2"/>
                 </a:solidFill>
               </a:rPr>
               <a:t>1.4.11 Non-text Contrast (Level AA)</a:t>
@@ -28400,7 +28604,7 @@
             <a:r>
               <a:rPr lang="en-GB" sz="1400" dirty="0">
                 <a:solidFill>
-                  <a:schemeClr val="accent5"/>
+                  <a:schemeClr val="bg2"/>
                 </a:solidFill>
               </a:rPr>
               <a:t>1.4.3 Contrast (Minimum) (Level AA)</a:t>
@@ -28465,7 +28669,7 @@
             <a:r>
               <a:rPr lang="en-GB" sz="1400" dirty="0">
                 <a:solidFill>
-                  <a:schemeClr val="accent5"/>
+                  <a:schemeClr val="bg2"/>
                 </a:solidFill>
               </a:rPr>
               <a:t>1.4.6 Contrast (Enhanced) (Level AAA):</a:t>
@@ -28530,7 +28734,7 @@
             <a:r>
               <a:rPr lang="en-GB" sz="1400" dirty="0">
                 <a:solidFill>
-                  <a:schemeClr val="accent5"/>
+                  <a:schemeClr val="bg2"/>
                 </a:solidFill>
               </a:rPr>
               <a:t>2.4.11 Focus Appearance (Minimum) </a:t>
@@ -28595,7 +28799,7 @@
             <a:r>
               <a:rPr lang="en-GB" sz="1400" dirty="0">
                 <a:solidFill>
-                  <a:schemeClr val="accent5"/>
+                  <a:schemeClr val="bg2"/>
                 </a:solidFill>
               </a:rPr>
               <a:t>2.4.12 Focus Appearance (Enhanced)</a:t>
@@ -30046,7 +30250,7 @@
 
 <file path=ppt/tags/tag1.xml><?xml version="1.0" encoding="utf-8"?>
 <p:tagLst xmlns:a="http://schemas.openxmlformats.org/drawingml/2006/main" xmlns:r="http://schemas.openxmlformats.org/officeDocument/2006/relationships" xmlns:p="http://schemas.openxmlformats.org/presentationml/2006/main">
-  <p:tag name="PRESGUID" val="7401fe1d-e7c9-46f0-aa5c-d9659e4ac7ff"/>
+  <p:tag name="PRESGUID" val="087a2a59-7402-4025-92c8-900b8599c4ff"/>
 </p:tagLst>
 </file>
 
@@ -30748,18 +30952,18 @@
 </file>
 
 <file path=customXml/item1.xml><?xml version="1.0" encoding="utf-8"?>
-<p:properties xmlns:p="http://schemas.microsoft.com/office/2006/metadata/properties" xmlns:xsi="http://www.w3.org/2001/XMLSchema-instance" xmlns:pc="http://schemas.microsoft.com/office/infopath/2007/PartnerControls">
-  <documentManagement/>
-</p:properties>
-</file>
-
-<file path=customXml/item2.xml><?xml version="1.0" encoding="utf-8"?>
 <?mso-contentType ?>
 <FormTemplates xmlns="http://schemas.microsoft.com/sharepoint/v3/contenttype/forms">
   <Display>DocumentLibraryForm</Display>
   <Edit>DocumentLibraryForm</Edit>
   <New>DocumentLibraryForm</New>
 </FormTemplates>
+</file>
+
+<file path=customXml/item2.xml><?xml version="1.0" encoding="utf-8"?>
+<p:properties xmlns:p="http://schemas.microsoft.com/office/2006/metadata/properties" xmlns:xsi="http://www.w3.org/2001/XMLSchema-instance" xmlns:pc="http://schemas.microsoft.com/office/infopath/2007/PartnerControls">
+  <documentManagement/>
+</p:properties>
 </file>
 
 <file path=customXml/item3.xml><?xml version="1.0" encoding="utf-8"?>
@@ -30974,6 +31178,14 @@
 </file>
 
 <file path=customXml/itemProps1.xml><?xml version="1.0" encoding="utf-8"?>
+<ds:datastoreItem xmlns:ds="http://schemas.openxmlformats.org/officeDocument/2006/customXml" ds:itemID="{E253B83F-B809-4031-B519-361416E897AD}">
+  <ds:schemaRefs>
+    <ds:schemaRef ds:uri="http://schemas.microsoft.com/sharepoint/v3/contenttype/forms"/>
+  </ds:schemaRefs>
+</ds:datastoreItem>
+</file>
+
+<file path=customXml/itemProps2.xml><?xml version="1.0" encoding="utf-8"?>
 <ds:datastoreItem xmlns:ds="http://schemas.openxmlformats.org/officeDocument/2006/customXml" ds:itemID="{135905B0-825A-40CE-8CFE-F761F2B4E98B}">
   <ds:schemaRefs>
     <ds:schemaRef ds:uri="1824a6be-da4c-47de-99ec-ebd5232030ab"/>
@@ -30986,14 +31198,6 @@
     <ds:schemaRef ds:uri="http://schemas.microsoft.com/office/2006/documentManagement/types"/>
     <ds:schemaRef ds:uri="http://schemas.openxmlformats.org/package/2006/metadata/core-properties"/>
     <ds:schemaRef ds:uri="http://schemas.microsoft.com/office/2006/metadata/properties"/>
-  </ds:schemaRefs>
-</ds:datastoreItem>
-</file>
-
-<file path=customXml/itemProps2.xml><?xml version="1.0" encoding="utf-8"?>
-<ds:datastoreItem xmlns:ds="http://schemas.openxmlformats.org/officeDocument/2006/customXml" ds:itemID="{E253B83F-B809-4031-B519-361416E897AD}">
-  <ds:schemaRefs>
-    <ds:schemaRef ds:uri="http://schemas.microsoft.com/sharepoint/v3/contenttype/forms"/>
   </ds:schemaRefs>
 </ds:datastoreItem>
 </file>
